--- a/Imagenes/presentacion_iconos.pptx
+++ b/Imagenes/presentacion_iconos.pptx
@@ -6,6 +6,7 @@
   </p:sldMasterIdLst>
   <p:sldIdLst>
     <p:sldId id="256" r:id="rId2"/>
+    <p:sldId id="257" r:id="rId3"/>
   </p:sldIdLst>
   <p:sldSz cx="12192000" cy="6858000"/>
   <p:notesSz cx="6858000" cy="9144000"/>
@@ -3479,6 +3480,172 @@
 </p:sld>
 </file>
 
+<file path=ppt/slides/slide2.xml><?xml version="1.0" encoding="utf-8"?>
+<p:sld xmlns:a="http://schemas.openxmlformats.org/drawingml/2006/main" xmlns:r="http://schemas.openxmlformats.org/officeDocument/2006/relationships" xmlns:p="http://schemas.openxmlformats.org/presentationml/2006/main">
+  <p:cSld>
+    <p:spTree>
+      <p:nvGrpSpPr>
+        <p:cNvPr id="1" name=""/>
+        <p:cNvGrpSpPr/>
+        <p:nvPr/>
+      </p:nvGrpSpPr>
+      <p:grpSpPr>
+        <a:xfrm>
+          <a:off x="0" y="0"/>
+          <a:ext cx="0" cy="0"/>
+          <a:chOff x="0" y="0"/>
+          <a:chExt cx="0" cy="0"/>
+        </a:xfrm>
+      </p:grpSpPr>
+      <p:sp>
+        <p:nvSpPr>
+          <p:cNvPr id="4" name="Rectángulo 3">
+            <a:extLst>
+              <a:ext uri="{FF2B5EF4-FFF2-40B4-BE49-F238E27FC236}">
+                <a16:creationId xmlns:a16="http://schemas.microsoft.com/office/drawing/2014/main" id="{8EFDB355-27DA-0002-9E99-6510DD170631}"/>
+              </a:ext>
+            </a:extLst>
+          </p:cNvPr>
+          <p:cNvSpPr/>
+          <p:nvPr/>
+        </p:nvSpPr>
+        <p:spPr>
+          <a:xfrm>
+            <a:off x="0" y="0"/>
+            <a:ext cx="6783355" cy="6858000"/>
+          </a:xfrm>
+          <a:prstGeom prst="rect">
+            <a:avLst/>
+          </a:prstGeom>
+        </p:spPr>
+        <p:style>
+          <a:lnRef idx="2">
+            <a:schemeClr val="accent1">
+              <a:shade val="15000"/>
+            </a:schemeClr>
+          </a:lnRef>
+          <a:fillRef idx="1">
+            <a:schemeClr val="accent1"/>
+          </a:fillRef>
+          <a:effectRef idx="0">
+            <a:schemeClr val="accent1"/>
+          </a:effectRef>
+          <a:fontRef idx="minor">
+            <a:schemeClr val="lt1"/>
+          </a:fontRef>
+        </p:style>
+        <p:txBody>
+          <a:bodyPr rtlCol="0" anchor="ctr"/>
+          <a:lstStyle/>
+          <a:p>
+            <a:pPr algn="ctr"/>
+            <a:r>
+              <a:rPr lang="es-ES" sz="6600" b="1" dirty="0"/>
+              <a:t>Visualización</a:t>
+            </a:r>
+          </a:p>
+          <a:p>
+            <a:pPr algn="ctr"/>
+            <a:r>
+              <a:rPr lang="es-ES" sz="6600" b="1" dirty="0"/>
+              <a:t>Datos</a:t>
+            </a:r>
+          </a:p>
+          <a:p>
+            <a:pPr algn="ctr"/>
+            <a:r>
+              <a:rPr lang="es-ES" sz="6600" b="1" dirty="0" err="1"/>
+              <a:t>Univariados</a:t>
+            </a:r>
+            <a:endParaRPr lang="es-ES" sz="6600" b="1" dirty="0"/>
+          </a:p>
+        </p:txBody>
+      </p:sp>
+      <p:pic>
+        <p:nvPicPr>
+          <p:cNvPr id="3" name="Imagen 2" descr="Un dibujo de una persona&#10;&#10;Descripción generada automáticamente con confianza baja">
+            <a:extLst>
+              <a:ext uri="{FF2B5EF4-FFF2-40B4-BE49-F238E27FC236}">
+                <a16:creationId xmlns:a16="http://schemas.microsoft.com/office/drawing/2014/main" id="{69E23DCC-734F-876C-0FC8-F6AB82F5BD43}"/>
+              </a:ext>
+            </a:extLst>
+          </p:cNvPr>
+          <p:cNvPicPr>
+            <a:picLocks noChangeAspect="1"/>
+          </p:cNvPicPr>
+          <p:nvPr/>
+        </p:nvPicPr>
+        <p:blipFill>
+          <a:blip r:embed="rId2">
+            <a:extLst>
+              <a:ext uri="{28A0092B-C50C-407E-A947-70E740481C1C}">
+                <a14:useLocalDpi xmlns:a14="http://schemas.microsoft.com/office/drawing/2010/main" val="0"/>
+              </a:ext>
+            </a:extLst>
+          </a:blip>
+          <a:stretch>
+            <a:fillRect/>
+          </a:stretch>
+        </p:blipFill>
+        <p:spPr>
+          <a:xfrm>
+            <a:off x="8280000" y="3600000"/>
+            <a:ext cx="2160000" cy="2160000"/>
+          </a:xfrm>
+          <a:prstGeom prst="rect">
+            <a:avLst/>
+          </a:prstGeom>
+        </p:spPr>
+      </p:pic>
+      <p:pic>
+        <p:nvPicPr>
+          <p:cNvPr id="7" name="Imagen 6" descr="Imagen que contiene Gráfico&#10;&#10;Descripción generada automáticamente">
+            <a:extLst>
+              <a:ext uri="{FF2B5EF4-FFF2-40B4-BE49-F238E27FC236}">
+                <a16:creationId xmlns:a16="http://schemas.microsoft.com/office/drawing/2014/main" id="{B4635B0D-544D-56D9-E9DA-B019E89B1675}"/>
+              </a:ext>
+            </a:extLst>
+          </p:cNvPr>
+          <p:cNvPicPr>
+            <a:picLocks noChangeAspect="1"/>
+          </p:cNvPicPr>
+          <p:nvPr/>
+        </p:nvPicPr>
+        <p:blipFill>
+          <a:blip r:embed="rId3">
+            <a:extLst>
+              <a:ext uri="{28A0092B-C50C-407E-A947-70E740481C1C}">
+                <a14:useLocalDpi xmlns:a14="http://schemas.microsoft.com/office/drawing/2010/main" val="0"/>
+              </a:ext>
+            </a:extLst>
+          </a:blip>
+          <a:stretch>
+            <a:fillRect/>
+          </a:stretch>
+        </p:blipFill>
+        <p:spPr>
+          <a:xfrm>
+            <a:off x="8281260" y="1080000"/>
+            <a:ext cx="2160000" cy="2160000"/>
+          </a:xfrm>
+          <a:prstGeom prst="rect">
+            <a:avLst/>
+          </a:prstGeom>
+        </p:spPr>
+      </p:pic>
+    </p:spTree>
+    <p:extLst>
+      <p:ext uri="{BB962C8B-B14F-4D97-AF65-F5344CB8AC3E}">
+        <p14:creationId xmlns:p14="http://schemas.microsoft.com/office/powerpoint/2010/main" val="2145390966"/>
+      </p:ext>
+    </p:extLst>
+  </p:cSld>
+  <p:clrMapOvr>
+    <a:masterClrMapping/>
+  </p:clrMapOvr>
+</p:sld>
+</file>
+
 <file path=ppt/theme/theme1.xml><?xml version="1.0" encoding="utf-8"?>
 <a:theme xmlns:a="http://schemas.openxmlformats.org/drawingml/2006/main" name="Tema de Office">
   <a:themeElements>

--- a/Imagenes/presentacion_iconos.pptx
+++ b/Imagenes/presentacion_iconos.pptx
@@ -7,6 +7,7 @@
   <p:sldIdLst>
     <p:sldId id="256" r:id="rId2"/>
     <p:sldId id="257" r:id="rId3"/>
+    <p:sldId id="258" r:id="rId4"/>
   </p:sldIdLst>
   <p:sldSz cx="12192000" cy="6858000"/>
   <p:notesSz cx="6858000" cy="9144000"/>
@@ -260,7 +261,7 @@
           <a:p>
             <a:fld id="{05E93951-F40E-4A2D-AEE9-CDC3C3196AFF}" type="datetimeFigureOut">
               <a:rPr lang="es-ES" smtClean="0"/>
-              <a:t>15/05/2024</a:t>
+              <a:t>17/05/2024</a:t>
             </a:fld>
             <a:endParaRPr lang="es-ES"/>
           </a:p>
@@ -458,7 +459,7 @@
           <a:p>
             <a:fld id="{05E93951-F40E-4A2D-AEE9-CDC3C3196AFF}" type="datetimeFigureOut">
               <a:rPr lang="es-ES" smtClean="0"/>
-              <a:t>15/05/2024</a:t>
+              <a:t>17/05/2024</a:t>
             </a:fld>
             <a:endParaRPr lang="es-ES"/>
           </a:p>
@@ -666,7 +667,7 @@
           <a:p>
             <a:fld id="{05E93951-F40E-4A2D-AEE9-CDC3C3196AFF}" type="datetimeFigureOut">
               <a:rPr lang="es-ES" smtClean="0"/>
-              <a:t>15/05/2024</a:t>
+              <a:t>17/05/2024</a:t>
             </a:fld>
             <a:endParaRPr lang="es-ES"/>
           </a:p>
@@ -864,7 +865,7 @@
           <a:p>
             <a:fld id="{05E93951-F40E-4A2D-AEE9-CDC3C3196AFF}" type="datetimeFigureOut">
               <a:rPr lang="es-ES" smtClean="0"/>
-              <a:t>15/05/2024</a:t>
+              <a:t>17/05/2024</a:t>
             </a:fld>
             <a:endParaRPr lang="es-ES"/>
           </a:p>
@@ -1139,7 +1140,7 @@
           <a:p>
             <a:fld id="{05E93951-F40E-4A2D-AEE9-CDC3C3196AFF}" type="datetimeFigureOut">
               <a:rPr lang="es-ES" smtClean="0"/>
-              <a:t>15/05/2024</a:t>
+              <a:t>17/05/2024</a:t>
             </a:fld>
             <a:endParaRPr lang="es-ES"/>
           </a:p>
@@ -1404,7 +1405,7 @@
           <a:p>
             <a:fld id="{05E93951-F40E-4A2D-AEE9-CDC3C3196AFF}" type="datetimeFigureOut">
               <a:rPr lang="es-ES" smtClean="0"/>
-              <a:t>15/05/2024</a:t>
+              <a:t>17/05/2024</a:t>
             </a:fld>
             <a:endParaRPr lang="es-ES"/>
           </a:p>
@@ -1816,7 +1817,7 @@
           <a:p>
             <a:fld id="{05E93951-F40E-4A2D-AEE9-CDC3C3196AFF}" type="datetimeFigureOut">
               <a:rPr lang="es-ES" smtClean="0"/>
-              <a:t>15/05/2024</a:t>
+              <a:t>17/05/2024</a:t>
             </a:fld>
             <a:endParaRPr lang="es-ES"/>
           </a:p>
@@ -1957,7 +1958,7 @@
           <a:p>
             <a:fld id="{05E93951-F40E-4A2D-AEE9-CDC3C3196AFF}" type="datetimeFigureOut">
               <a:rPr lang="es-ES" smtClean="0"/>
-              <a:t>15/05/2024</a:t>
+              <a:t>17/05/2024</a:t>
             </a:fld>
             <a:endParaRPr lang="es-ES"/>
           </a:p>
@@ -2070,7 +2071,7 @@
           <a:p>
             <a:fld id="{05E93951-F40E-4A2D-AEE9-CDC3C3196AFF}" type="datetimeFigureOut">
               <a:rPr lang="es-ES" smtClean="0"/>
-              <a:t>15/05/2024</a:t>
+              <a:t>17/05/2024</a:t>
             </a:fld>
             <a:endParaRPr lang="es-ES"/>
           </a:p>
@@ -2381,7 +2382,7 @@
           <a:p>
             <a:fld id="{05E93951-F40E-4A2D-AEE9-CDC3C3196AFF}" type="datetimeFigureOut">
               <a:rPr lang="es-ES" smtClean="0"/>
-              <a:t>15/05/2024</a:t>
+              <a:t>17/05/2024</a:t>
             </a:fld>
             <a:endParaRPr lang="es-ES"/>
           </a:p>
@@ -2669,7 +2670,7 @@
           <a:p>
             <a:fld id="{05E93951-F40E-4A2D-AEE9-CDC3C3196AFF}" type="datetimeFigureOut">
               <a:rPr lang="es-ES" smtClean="0"/>
-              <a:t>15/05/2024</a:t>
+              <a:t>17/05/2024</a:t>
             </a:fld>
             <a:endParaRPr lang="es-ES"/>
           </a:p>
@@ -2910,7 +2911,7 @@
           <a:p>
             <a:fld id="{05E93951-F40E-4A2D-AEE9-CDC3C3196AFF}" type="datetimeFigureOut">
               <a:rPr lang="es-ES" smtClean="0"/>
-              <a:t>15/05/2024</a:t>
+              <a:t>17/05/2024</a:t>
             </a:fld>
             <a:endParaRPr lang="es-ES"/>
           </a:p>
@@ -3646,6 +3647,164 @@
 </p:sld>
 </file>
 
+<file path=ppt/slides/slide3.xml><?xml version="1.0" encoding="utf-8"?>
+<p:sld xmlns:a="http://schemas.openxmlformats.org/drawingml/2006/main" xmlns:r="http://schemas.openxmlformats.org/officeDocument/2006/relationships" xmlns:p="http://schemas.openxmlformats.org/presentationml/2006/main">
+  <p:cSld>
+    <p:spTree>
+      <p:nvGrpSpPr>
+        <p:cNvPr id="1" name=""/>
+        <p:cNvGrpSpPr/>
+        <p:nvPr/>
+      </p:nvGrpSpPr>
+      <p:grpSpPr>
+        <a:xfrm>
+          <a:off x="0" y="0"/>
+          <a:ext cx="0" cy="0"/>
+          <a:chOff x="0" y="0"/>
+          <a:chExt cx="0" cy="0"/>
+        </a:xfrm>
+      </p:grpSpPr>
+      <p:sp>
+        <p:nvSpPr>
+          <p:cNvPr id="4" name="Rectángulo 3">
+            <a:extLst>
+              <a:ext uri="{FF2B5EF4-FFF2-40B4-BE49-F238E27FC236}">
+                <a16:creationId xmlns:a16="http://schemas.microsoft.com/office/drawing/2014/main" id="{8EFDB355-27DA-0002-9E99-6510DD170631}"/>
+              </a:ext>
+            </a:extLst>
+          </p:cNvPr>
+          <p:cNvSpPr/>
+          <p:nvPr/>
+        </p:nvSpPr>
+        <p:spPr>
+          <a:xfrm>
+            <a:off x="0" y="0"/>
+            <a:ext cx="6783355" cy="6858000"/>
+          </a:xfrm>
+          <a:prstGeom prst="rect">
+            <a:avLst/>
+          </a:prstGeom>
+        </p:spPr>
+        <p:style>
+          <a:lnRef idx="2">
+            <a:schemeClr val="accent1">
+              <a:shade val="15000"/>
+            </a:schemeClr>
+          </a:lnRef>
+          <a:fillRef idx="1">
+            <a:schemeClr val="accent1"/>
+          </a:fillRef>
+          <a:effectRef idx="0">
+            <a:schemeClr val="accent1"/>
+          </a:effectRef>
+          <a:fontRef idx="minor">
+            <a:schemeClr val="lt1"/>
+          </a:fontRef>
+        </p:style>
+        <p:txBody>
+          <a:bodyPr rtlCol="0" anchor="ctr"/>
+          <a:lstStyle/>
+          <a:p>
+            <a:pPr algn="ctr"/>
+            <a:r>
+              <a:rPr lang="es-ES" sz="6600" b="1" dirty="0"/>
+              <a:t>EDA</a:t>
+            </a:r>
+          </a:p>
+          <a:p>
+            <a:pPr algn="ctr"/>
+            <a:r>
+              <a:rPr lang="es-ES" sz="6600" b="1" dirty="0"/>
+              <a:t>Multivariado</a:t>
+            </a:r>
+          </a:p>
+        </p:txBody>
+      </p:sp>
+      <p:pic>
+        <p:nvPicPr>
+          <p:cNvPr id="5" name="Imagen 4" descr="Icono&#10;&#10;Descripción generada automáticamente">
+            <a:extLst>
+              <a:ext uri="{FF2B5EF4-FFF2-40B4-BE49-F238E27FC236}">
+                <a16:creationId xmlns:a16="http://schemas.microsoft.com/office/drawing/2014/main" id="{5C145D4D-5BC6-B8D9-8F7A-112FED7FC847}"/>
+              </a:ext>
+            </a:extLst>
+          </p:cNvPr>
+          <p:cNvPicPr>
+            <a:picLocks noChangeAspect="1"/>
+          </p:cNvPicPr>
+          <p:nvPr/>
+        </p:nvPicPr>
+        <p:blipFill>
+          <a:blip r:embed="rId2">
+            <a:extLst>
+              <a:ext uri="{28A0092B-C50C-407E-A947-70E740481C1C}">
+                <a14:useLocalDpi xmlns:a14="http://schemas.microsoft.com/office/drawing/2010/main" val="0"/>
+              </a:ext>
+            </a:extLst>
+          </a:blip>
+          <a:stretch>
+            <a:fillRect/>
+          </a:stretch>
+        </p:blipFill>
+        <p:spPr>
+          <a:xfrm>
+            <a:off x="8280000" y="1080000"/>
+            <a:ext cx="2160000" cy="2160000"/>
+          </a:xfrm>
+          <a:prstGeom prst="rect">
+            <a:avLst/>
+          </a:prstGeom>
+        </p:spPr>
+      </p:pic>
+      <p:pic>
+        <p:nvPicPr>
+          <p:cNvPr id="8" name="Imagen 7" descr="Forma, Círculo&#10;&#10;Descripción generada automáticamente">
+            <a:extLst>
+              <a:ext uri="{FF2B5EF4-FFF2-40B4-BE49-F238E27FC236}">
+                <a16:creationId xmlns:a16="http://schemas.microsoft.com/office/drawing/2014/main" id="{7AD588D4-94F4-225B-97C8-159F9DB70629}"/>
+              </a:ext>
+            </a:extLst>
+          </p:cNvPr>
+          <p:cNvPicPr>
+            <a:picLocks noChangeAspect="1"/>
+          </p:cNvPicPr>
+          <p:nvPr/>
+        </p:nvPicPr>
+        <p:blipFill>
+          <a:blip r:embed="rId3">
+            <a:extLst>
+              <a:ext uri="{28A0092B-C50C-407E-A947-70E740481C1C}">
+                <a14:useLocalDpi xmlns:a14="http://schemas.microsoft.com/office/drawing/2010/main" val="0"/>
+              </a:ext>
+            </a:extLst>
+          </a:blip>
+          <a:stretch>
+            <a:fillRect/>
+          </a:stretch>
+        </p:blipFill>
+        <p:spPr>
+          <a:xfrm>
+            <a:off x="8280000" y="3600000"/>
+            <a:ext cx="2160000" cy="2160000"/>
+          </a:xfrm>
+          <a:prstGeom prst="rect">
+            <a:avLst/>
+          </a:prstGeom>
+        </p:spPr>
+      </p:pic>
+    </p:spTree>
+    <p:extLst>
+      <p:ext uri="{BB962C8B-B14F-4D97-AF65-F5344CB8AC3E}">
+        <p14:creationId xmlns:p14="http://schemas.microsoft.com/office/powerpoint/2010/main" val="3218423040"/>
+      </p:ext>
+    </p:extLst>
+  </p:cSld>
+  <p:clrMapOvr>
+    <a:masterClrMapping/>
+  </p:clrMapOvr>
+</p:sld>
+</file>
+
 <file path=ppt/theme/theme1.xml><?xml version="1.0" encoding="utf-8"?>
 <a:theme xmlns:a="http://schemas.openxmlformats.org/drawingml/2006/main" name="Tema de Office">
   <a:themeElements>

--- a/Imagenes/presentacion_iconos.pptx
+++ b/Imagenes/presentacion_iconos.pptx
@@ -8,6 +8,7 @@
     <p:sldId id="256" r:id="rId2"/>
     <p:sldId id="257" r:id="rId3"/>
     <p:sldId id="258" r:id="rId4"/>
+    <p:sldId id="259" r:id="rId5"/>
   </p:sldIdLst>
   <p:sldSz cx="12192000" cy="6858000"/>
   <p:notesSz cx="6858000" cy="9144000"/>
@@ -261,7 +262,7 @@
           <a:p>
             <a:fld id="{05E93951-F40E-4A2D-AEE9-CDC3C3196AFF}" type="datetimeFigureOut">
               <a:rPr lang="es-ES" smtClean="0"/>
-              <a:t>17/05/2024</a:t>
+              <a:t>22/05/2024</a:t>
             </a:fld>
             <a:endParaRPr lang="es-ES"/>
           </a:p>
@@ -459,7 +460,7 @@
           <a:p>
             <a:fld id="{05E93951-F40E-4A2D-AEE9-CDC3C3196AFF}" type="datetimeFigureOut">
               <a:rPr lang="es-ES" smtClean="0"/>
-              <a:t>17/05/2024</a:t>
+              <a:t>22/05/2024</a:t>
             </a:fld>
             <a:endParaRPr lang="es-ES"/>
           </a:p>
@@ -667,7 +668,7 @@
           <a:p>
             <a:fld id="{05E93951-F40E-4A2D-AEE9-CDC3C3196AFF}" type="datetimeFigureOut">
               <a:rPr lang="es-ES" smtClean="0"/>
-              <a:t>17/05/2024</a:t>
+              <a:t>22/05/2024</a:t>
             </a:fld>
             <a:endParaRPr lang="es-ES"/>
           </a:p>
@@ -865,7 +866,7 @@
           <a:p>
             <a:fld id="{05E93951-F40E-4A2D-AEE9-CDC3C3196AFF}" type="datetimeFigureOut">
               <a:rPr lang="es-ES" smtClean="0"/>
-              <a:t>17/05/2024</a:t>
+              <a:t>22/05/2024</a:t>
             </a:fld>
             <a:endParaRPr lang="es-ES"/>
           </a:p>
@@ -1140,7 +1141,7 @@
           <a:p>
             <a:fld id="{05E93951-F40E-4A2D-AEE9-CDC3C3196AFF}" type="datetimeFigureOut">
               <a:rPr lang="es-ES" smtClean="0"/>
-              <a:t>17/05/2024</a:t>
+              <a:t>22/05/2024</a:t>
             </a:fld>
             <a:endParaRPr lang="es-ES"/>
           </a:p>
@@ -1405,7 +1406,7 @@
           <a:p>
             <a:fld id="{05E93951-F40E-4A2D-AEE9-CDC3C3196AFF}" type="datetimeFigureOut">
               <a:rPr lang="es-ES" smtClean="0"/>
-              <a:t>17/05/2024</a:t>
+              <a:t>22/05/2024</a:t>
             </a:fld>
             <a:endParaRPr lang="es-ES"/>
           </a:p>
@@ -1817,7 +1818,7 @@
           <a:p>
             <a:fld id="{05E93951-F40E-4A2D-AEE9-CDC3C3196AFF}" type="datetimeFigureOut">
               <a:rPr lang="es-ES" smtClean="0"/>
-              <a:t>17/05/2024</a:t>
+              <a:t>22/05/2024</a:t>
             </a:fld>
             <a:endParaRPr lang="es-ES"/>
           </a:p>
@@ -1958,7 +1959,7 @@
           <a:p>
             <a:fld id="{05E93951-F40E-4A2D-AEE9-CDC3C3196AFF}" type="datetimeFigureOut">
               <a:rPr lang="es-ES" smtClean="0"/>
-              <a:t>17/05/2024</a:t>
+              <a:t>22/05/2024</a:t>
             </a:fld>
             <a:endParaRPr lang="es-ES"/>
           </a:p>
@@ -2071,7 +2072,7 @@
           <a:p>
             <a:fld id="{05E93951-F40E-4A2D-AEE9-CDC3C3196AFF}" type="datetimeFigureOut">
               <a:rPr lang="es-ES" smtClean="0"/>
-              <a:t>17/05/2024</a:t>
+              <a:t>22/05/2024</a:t>
             </a:fld>
             <a:endParaRPr lang="es-ES"/>
           </a:p>
@@ -2382,7 +2383,7 @@
           <a:p>
             <a:fld id="{05E93951-F40E-4A2D-AEE9-CDC3C3196AFF}" type="datetimeFigureOut">
               <a:rPr lang="es-ES" smtClean="0"/>
-              <a:t>17/05/2024</a:t>
+              <a:t>22/05/2024</a:t>
             </a:fld>
             <a:endParaRPr lang="es-ES"/>
           </a:p>
@@ -2670,7 +2671,7 @@
           <a:p>
             <a:fld id="{05E93951-F40E-4A2D-AEE9-CDC3C3196AFF}" type="datetimeFigureOut">
               <a:rPr lang="es-ES" smtClean="0"/>
-              <a:t>17/05/2024</a:t>
+              <a:t>22/05/2024</a:t>
             </a:fld>
             <a:endParaRPr lang="es-ES"/>
           </a:p>
@@ -2911,7 +2912,7 @@
           <a:p>
             <a:fld id="{05E93951-F40E-4A2D-AEE9-CDC3C3196AFF}" type="datetimeFigureOut">
               <a:rPr lang="es-ES" smtClean="0"/>
-              <a:t>17/05/2024</a:t>
+              <a:t>22/05/2024</a:t>
             </a:fld>
             <a:endParaRPr lang="es-ES"/>
           </a:p>
@@ -3805,6 +3806,176 @@
 </p:sld>
 </file>
 
+<file path=ppt/slides/slide4.xml><?xml version="1.0" encoding="utf-8"?>
+<p:sld xmlns:a="http://schemas.openxmlformats.org/drawingml/2006/main" xmlns:r="http://schemas.openxmlformats.org/officeDocument/2006/relationships" xmlns:p="http://schemas.openxmlformats.org/presentationml/2006/main">
+  <p:cSld>
+    <p:spTree>
+      <p:nvGrpSpPr>
+        <p:cNvPr id="1" name=""/>
+        <p:cNvGrpSpPr/>
+        <p:nvPr/>
+      </p:nvGrpSpPr>
+      <p:grpSpPr>
+        <a:xfrm>
+          <a:off x="0" y="0"/>
+          <a:ext cx="0" cy="0"/>
+          <a:chOff x="0" y="0"/>
+          <a:chExt cx="0" cy="0"/>
+        </a:xfrm>
+      </p:grpSpPr>
+      <p:sp>
+        <p:nvSpPr>
+          <p:cNvPr id="4" name="Rectángulo 3">
+            <a:extLst>
+              <a:ext uri="{FF2B5EF4-FFF2-40B4-BE49-F238E27FC236}">
+                <a16:creationId xmlns:a16="http://schemas.microsoft.com/office/drawing/2014/main" id="{8EFDB355-27DA-0002-9E99-6510DD170631}"/>
+              </a:ext>
+            </a:extLst>
+          </p:cNvPr>
+          <p:cNvSpPr/>
+          <p:nvPr/>
+        </p:nvSpPr>
+        <p:spPr>
+          <a:xfrm>
+            <a:off x="0" y="0"/>
+            <a:ext cx="6783355" cy="6858000"/>
+          </a:xfrm>
+          <a:prstGeom prst="rect">
+            <a:avLst/>
+          </a:prstGeom>
+          <a:solidFill>
+            <a:schemeClr val="accent2">
+              <a:lumMod val="75000"/>
+            </a:schemeClr>
+          </a:solidFill>
+          <a:ln>
+            <a:solidFill>
+              <a:schemeClr val="accent2">
+                <a:lumMod val="75000"/>
+              </a:schemeClr>
+            </a:solidFill>
+          </a:ln>
+        </p:spPr>
+        <p:style>
+          <a:lnRef idx="2">
+            <a:schemeClr val="accent1">
+              <a:shade val="15000"/>
+            </a:schemeClr>
+          </a:lnRef>
+          <a:fillRef idx="1">
+            <a:schemeClr val="accent1"/>
+          </a:fillRef>
+          <a:effectRef idx="0">
+            <a:schemeClr val="accent1"/>
+          </a:effectRef>
+          <a:fontRef idx="minor">
+            <a:schemeClr val="lt1"/>
+          </a:fontRef>
+        </p:style>
+        <p:txBody>
+          <a:bodyPr rtlCol="0" anchor="ctr"/>
+          <a:lstStyle/>
+          <a:p>
+            <a:pPr algn="ctr"/>
+            <a:r>
+              <a:rPr lang="es-ES" sz="6600" b="1" dirty="0"/>
+              <a:t>Regresión</a:t>
+            </a:r>
+          </a:p>
+          <a:p>
+            <a:pPr algn="ctr"/>
+            <a:r>
+              <a:rPr lang="es-ES" sz="6600" b="1" dirty="0"/>
+              <a:t>Lineal</a:t>
+            </a:r>
+          </a:p>
+        </p:txBody>
+      </p:sp>
+      <p:pic>
+        <p:nvPicPr>
+          <p:cNvPr id="3" name="Imagen 2" descr="Icono&#10;&#10;Descripción generada automáticamente">
+            <a:extLst>
+              <a:ext uri="{FF2B5EF4-FFF2-40B4-BE49-F238E27FC236}">
+                <a16:creationId xmlns:a16="http://schemas.microsoft.com/office/drawing/2014/main" id="{AF25CEBB-1568-8320-DC71-83C9AB4E8BE1}"/>
+              </a:ext>
+            </a:extLst>
+          </p:cNvPr>
+          <p:cNvPicPr>
+            <a:picLocks noChangeAspect="1"/>
+          </p:cNvPicPr>
+          <p:nvPr/>
+        </p:nvPicPr>
+        <p:blipFill>
+          <a:blip r:embed="rId2">
+            <a:extLst>
+              <a:ext uri="{28A0092B-C50C-407E-A947-70E740481C1C}">
+                <a14:useLocalDpi xmlns:a14="http://schemas.microsoft.com/office/drawing/2010/main" val="0"/>
+              </a:ext>
+            </a:extLst>
+          </a:blip>
+          <a:stretch>
+            <a:fillRect/>
+          </a:stretch>
+        </p:blipFill>
+        <p:spPr>
+          <a:xfrm>
+            <a:off x="8280000" y="3600000"/>
+            <a:ext cx="2160000" cy="2160000"/>
+          </a:xfrm>
+          <a:prstGeom prst="rect">
+            <a:avLst/>
+          </a:prstGeom>
+        </p:spPr>
+      </p:pic>
+      <p:pic>
+        <p:nvPicPr>
+          <p:cNvPr id="7" name="Imagen 6" descr="Patrón de fondo&#10;&#10;Descripción generada automáticamente">
+            <a:extLst>
+              <a:ext uri="{FF2B5EF4-FFF2-40B4-BE49-F238E27FC236}">
+                <a16:creationId xmlns:a16="http://schemas.microsoft.com/office/drawing/2014/main" id="{BE1DF294-AD07-E079-AD70-89D8D19015D9}"/>
+              </a:ext>
+            </a:extLst>
+          </p:cNvPr>
+          <p:cNvPicPr>
+            <a:picLocks noChangeAspect="1"/>
+          </p:cNvPicPr>
+          <p:nvPr/>
+        </p:nvPicPr>
+        <p:blipFill>
+          <a:blip r:embed="rId3">
+            <a:extLst>
+              <a:ext uri="{28A0092B-C50C-407E-A947-70E740481C1C}">
+                <a14:useLocalDpi xmlns:a14="http://schemas.microsoft.com/office/drawing/2010/main" val="0"/>
+              </a:ext>
+            </a:extLst>
+          </a:blip>
+          <a:stretch>
+            <a:fillRect/>
+          </a:stretch>
+        </p:blipFill>
+        <p:spPr>
+          <a:xfrm>
+            <a:off x="8280000" y="1080000"/>
+            <a:ext cx="2160000" cy="2160000"/>
+          </a:xfrm>
+          <a:prstGeom prst="rect">
+            <a:avLst/>
+          </a:prstGeom>
+        </p:spPr>
+      </p:pic>
+    </p:spTree>
+    <p:extLst>
+      <p:ext uri="{BB962C8B-B14F-4D97-AF65-F5344CB8AC3E}">
+        <p14:creationId xmlns:p14="http://schemas.microsoft.com/office/powerpoint/2010/main" val="3759879801"/>
+      </p:ext>
+    </p:extLst>
+  </p:cSld>
+  <p:clrMapOvr>
+    <a:masterClrMapping/>
+  </p:clrMapOvr>
+</p:sld>
+</file>
+
 <file path=ppt/theme/theme1.xml><?xml version="1.0" encoding="utf-8"?>
 <a:theme xmlns:a="http://schemas.openxmlformats.org/drawingml/2006/main" name="Tema de Office">
   <a:themeElements>

--- a/Imagenes/presentacion_iconos.pptx
+++ b/Imagenes/presentacion_iconos.pptx
@@ -9,6 +9,7 @@
     <p:sldId id="257" r:id="rId3"/>
     <p:sldId id="258" r:id="rId4"/>
     <p:sldId id="259" r:id="rId5"/>
+    <p:sldId id="260" r:id="rId6"/>
   </p:sldIdLst>
   <p:sldSz cx="12192000" cy="6858000"/>
   <p:notesSz cx="6858000" cy="9144000"/>
@@ -262,7 +263,7 @@
           <a:p>
             <a:fld id="{05E93951-F40E-4A2D-AEE9-CDC3C3196AFF}" type="datetimeFigureOut">
               <a:rPr lang="es-ES" smtClean="0"/>
-              <a:t>22/05/2024</a:t>
+              <a:t>24/05/2024</a:t>
             </a:fld>
             <a:endParaRPr lang="es-ES"/>
           </a:p>
@@ -460,7 +461,7 @@
           <a:p>
             <a:fld id="{05E93951-F40E-4A2D-AEE9-CDC3C3196AFF}" type="datetimeFigureOut">
               <a:rPr lang="es-ES" smtClean="0"/>
-              <a:t>22/05/2024</a:t>
+              <a:t>24/05/2024</a:t>
             </a:fld>
             <a:endParaRPr lang="es-ES"/>
           </a:p>
@@ -668,7 +669,7 @@
           <a:p>
             <a:fld id="{05E93951-F40E-4A2D-AEE9-CDC3C3196AFF}" type="datetimeFigureOut">
               <a:rPr lang="es-ES" smtClean="0"/>
-              <a:t>22/05/2024</a:t>
+              <a:t>24/05/2024</a:t>
             </a:fld>
             <a:endParaRPr lang="es-ES"/>
           </a:p>
@@ -866,7 +867,7 @@
           <a:p>
             <a:fld id="{05E93951-F40E-4A2D-AEE9-CDC3C3196AFF}" type="datetimeFigureOut">
               <a:rPr lang="es-ES" smtClean="0"/>
-              <a:t>22/05/2024</a:t>
+              <a:t>24/05/2024</a:t>
             </a:fld>
             <a:endParaRPr lang="es-ES"/>
           </a:p>
@@ -1141,7 +1142,7 @@
           <a:p>
             <a:fld id="{05E93951-F40E-4A2D-AEE9-CDC3C3196AFF}" type="datetimeFigureOut">
               <a:rPr lang="es-ES" smtClean="0"/>
-              <a:t>22/05/2024</a:t>
+              <a:t>24/05/2024</a:t>
             </a:fld>
             <a:endParaRPr lang="es-ES"/>
           </a:p>
@@ -1406,7 +1407,7 @@
           <a:p>
             <a:fld id="{05E93951-F40E-4A2D-AEE9-CDC3C3196AFF}" type="datetimeFigureOut">
               <a:rPr lang="es-ES" smtClean="0"/>
-              <a:t>22/05/2024</a:t>
+              <a:t>24/05/2024</a:t>
             </a:fld>
             <a:endParaRPr lang="es-ES"/>
           </a:p>
@@ -1818,7 +1819,7 @@
           <a:p>
             <a:fld id="{05E93951-F40E-4A2D-AEE9-CDC3C3196AFF}" type="datetimeFigureOut">
               <a:rPr lang="es-ES" smtClean="0"/>
-              <a:t>22/05/2024</a:t>
+              <a:t>24/05/2024</a:t>
             </a:fld>
             <a:endParaRPr lang="es-ES"/>
           </a:p>
@@ -1959,7 +1960,7 @@
           <a:p>
             <a:fld id="{05E93951-F40E-4A2D-AEE9-CDC3C3196AFF}" type="datetimeFigureOut">
               <a:rPr lang="es-ES" smtClean="0"/>
-              <a:t>22/05/2024</a:t>
+              <a:t>24/05/2024</a:t>
             </a:fld>
             <a:endParaRPr lang="es-ES"/>
           </a:p>
@@ -2072,7 +2073,7 @@
           <a:p>
             <a:fld id="{05E93951-F40E-4A2D-AEE9-CDC3C3196AFF}" type="datetimeFigureOut">
               <a:rPr lang="es-ES" smtClean="0"/>
-              <a:t>22/05/2024</a:t>
+              <a:t>24/05/2024</a:t>
             </a:fld>
             <a:endParaRPr lang="es-ES"/>
           </a:p>
@@ -2383,7 +2384,7 @@
           <a:p>
             <a:fld id="{05E93951-F40E-4A2D-AEE9-CDC3C3196AFF}" type="datetimeFigureOut">
               <a:rPr lang="es-ES" smtClean="0"/>
-              <a:t>22/05/2024</a:t>
+              <a:t>24/05/2024</a:t>
             </a:fld>
             <a:endParaRPr lang="es-ES"/>
           </a:p>
@@ -2671,7 +2672,7 @@
           <a:p>
             <a:fld id="{05E93951-F40E-4A2D-AEE9-CDC3C3196AFF}" type="datetimeFigureOut">
               <a:rPr lang="es-ES" smtClean="0"/>
-              <a:t>22/05/2024</a:t>
+              <a:t>24/05/2024</a:t>
             </a:fld>
             <a:endParaRPr lang="es-ES"/>
           </a:p>
@@ -2912,7 +2913,7 @@
           <a:p>
             <a:fld id="{05E93951-F40E-4A2D-AEE9-CDC3C3196AFF}" type="datetimeFigureOut">
               <a:rPr lang="es-ES" smtClean="0"/>
-              <a:t>22/05/2024</a:t>
+              <a:t>24/05/2024</a:t>
             </a:fld>
             <a:endParaRPr lang="es-ES"/>
           </a:p>
@@ -3976,6 +3977,206 @@
 </p:sld>
 </file>
 
+<file path=ppt/slides/slide5.xml><?xml version="1.0" encoding="utf-8"?>
+<p:sld xmlns:a="http://schemas.openxmlformats.org/drawingml/2006/main" xmlns:r="http://schemas.openxmlformats.org/officeDocument/2006/relationships" xmlns:p="http://schemas.openxmlformats.org/presentationml/2006/main">
+  <p:cSld>
+    <p:spTree>
+      <p:nvGrpSpPr>
+        <p:cNvPr id="1" name=""/>
+        <p:cNvGrpSpPr/>
+        <p:nvPr/>
+      </p:nvGrpSpPr>
+      <p:grpSpPr>
+        <a:xfrm>
+          <a:off x="0" y="0"/>
+          <a:ext cx="0" cy="0"/>
+          <a:chOff x="0" y="0"/>
+          <a:chExt cx="0" cy="0"/>
+        </a:xfrm>
+      </p:grpSpPr>
+      <p:sp>
+        <p:nvSpPr>
+          <p:cNvPr id="4" name="Rectángulo 3">
+            <a:extLst>
+              <a:ext uri="{FF2B5EF4-FFF2-40B4-BE49-F238E27FC236}">
+                <a16:creationId xmlns:a16="http://schemas.microsoft.com/office/drawing/2014/main" id="{8EFDB355-27DA-0002-9E99-6510DD170631}"/>
+              </a:ext>
+            </a:extLst>
+          </p:cNvPr>
+          <p:cNvSpPr/>
+          <p:nvPr/>
+        </p:nvSpPr>
+        <p:spPr>
+          <a:xfrm>
+            <a:off x="0" y="0"/>
+            <a:ext cx="6783355" cy="6858000"/>
+          </a:xfrm>
+          <a:prstGeom prst="rect">
+            <a:avLst/>
+          </a:prstGeom>
+          <a:solidFill>
+            <a:schemeClr val="accent2">
+              <a:lumMod val="75000"/>
+            </a:schemeClr>
+          </a:solidFill>
+          <a:ln>
+            <a:solidFill>
+              <a:schemeClr val="accent2">
+                <a:lumMod val="75000"/>
+              </a:schemeClr>
+            </a:solidFill>
+          </a:ln>
+        </p:spPr>
+        <p:style>
+          <a:lnRef idx="2">
+            <a:schemeClr val="accent1">
+              <a:shade val="15000"/>
+            </a:schemeClr>
+          </a:lnRef>
+          <a:fillRef idx="1">
+            <a:schemeClr val="accent1"/>
+          </a:fillRef>
+          <a:effectRef idx="0">
+            <a:schemeClr val="accent1"/>
+          </a:effectRef>
+          <a:fontRef idx="minor">
+            <a:schemeClr val="lt1"/>
+          </a:fontRef>
+        </p:style>
+        <p:txBody>
+          <a:bodyPr rtlCol="0" anchor="ctr"/>
+          <a:lstStyle/>
+          <a:p>
+            <a:pPr algn="ctr"/>
+            <a:r>
+              <a:rPr lang="es-ES" sz="6600" b="1" dirty="0"/>
+              <a:t>Introducción a </a:t>
+            </a:r>
+          </a:p>
+          <a:p>
+            <a:pPr algn="ctr"/>
+            <a:r>
+              <a:rPr lang="es-ES" sz="6600" b="1" dirty="0"/>
+              <a:t>Machine </a:t>
+            </a:r>
+          </a:p>
+          <a:p>
+            <a:pPr algn="ctr"/>
+            <a:r>
+              <a:rPr lang="es-ES" sz="6600" b="1" dirty="0" err="1"/>
+              <a:t>Learning</a:t>
+            </a:r>
+            <a:endParaRPr lang="es-ES" sz="6600" b="1" dirty="0"/>
+          </a:p>
+        </p:txBody>
+      </p:sp>
+      <p:pic>
+        <p:nvPicPr>
+          <p:cNvPr id="1026" name="Picture 2" descr="Icono de Machine Learning Generic Outline Color">
+            <a:extLst>
+              <a:ext uri="{FF2B5EF4-FFF2-40B4-BE49-F238E27FC236}">
+                <a16:creationId xmlns:a16="http://schemas.microsoft.com/office/drawing/2014/main" id="{48C10340-5AB0-71D9-EB5D-D7C65C2253CE}"/>
+              </a:ext>
+            </a:extLst>
+          </p:cNvPr>
+          <p:cNvPicPr>
+            <a:picLocks noChangeAspect="1" noChangeArrowheads="1"/>
+          </p:cNvPicPr>
+          <p:nvPr/>
+        </p:nvPicPr>
+        <p:blipFill>
+          <a:blip r:embed="rId2">
+            <a:extLst>
+              <a:ext uri="{28A0092B-C50C-407E-A947-70E740481C1C}">
+                <a14:useLocalDpi xmlns:a14="http://schemas.microsoft.com/office/drawing/2010/main" val="0"/>
+              </a:ext>
+            </a:extLst>
+          </a:blip>
+          <a:srcRect/>
+          <a:stretch>
+            <a:fillRect/>
+          </a:stretch>
+        </p:blipFill>
+        <p:spPr bwMode="auto">
+          <a:xfrm>
+            <a:off x="8280000" y="1080000"/>
+            <a:ext cx="2160000" cy="2160000"/>
+          </a:xfrm>
+          <a:prstGeom prst="rect">
+            <a:avLst/>
+          </a:prstGeom>
+          <a:noFill/>
+          <a:extLst>
+            <a:ext uri="{909E8E84-426E-40DD-AFC4-6F175D3DCCD1}">
+              <a14:hiddenFill xmlns:a14="http://schemas.microsoft.com/office/drawing/2010/main">
+                <a:solidFill>
+                  <a:srgbClr val="FFFFFF"/>
+                </a:solidFill>
+              </a14:hiddenFill>
+            </a:ext>
+          </a:extLst>
+        </p:spPr>
+      </p:pic>
+      <p:pic>
+        <p:nvPicPr>
+          <p:cNvPr id="1028" name="Picture 4" descr="Aprendizaje profundo - Iconos gratis de electrónica">
+            <a:extLst>
+              <a:ext uri="{FF2B5EF4-FFF2-40B4-BE49-F238E27FC236}">
+                <a16:creationId xmlns:a16="http://schemas.microsoft.com/office/drawing/2014/main" id="{4AC813D2-A906-D788-41D3-2859D7579D9C}"/>
+              </a:ext>
+            </a:extLst>
+          </p:cNvPr>
+          <p:cNvPicPr>
+            <a:picLocks noChangeAspect="1" noChangeArrowheads="1"/>
+          </p:cNvPicPr>
+          <p:nvPr/>
+        </p:nvPicPr>
+        <p:blipFill>
+          <a:blip r:embed="rId3">
+            <a:extLst>
+              <a:ext uri="{28A0092B-C50C-407E-A947-70E740481C1C}">
+                <a14:useLocalDpi xmlns:a14="http://schemas.microsoft.com/office/drawing/2010/main" val="0"/>
+              </a:ext>
+            </a:extLst>
+          </a:blip>
+          <a:srcRect/>
+          <a:stretch>
+            <a:fillRect/>
+          </a:stretch>
+        </p:blipFill>
+        <p:spPr bwMode="auto">
+          <a:xfrm>
+            <a:off x="8280000" y="3600000"/>
+            <a:ext cx="2160000" cy="2160000"/>
+          </a:xfrm>
+          <a:prstGeom prst="rect">
+            <a:avLst/>
+          </a:prstGeom>
+          <a:noFill/>
+          <a:extLst>
+            <a:ext uri="{909E8E84-426E-40DD-AFC4-6F175D3DCCD1}">
+              <a14:hiddenFill xmlns:a14="http://schemas.microsoft.com/office/drawing/2010/main">
+                <a:solidFill>
+                  <a:srgbClr val="FFFFFF"/>
+                </a:solidFill>
+              </a14:hiddenFill>
+            </a:ext>
+          </a:extLst>
+        </p:spPr>
+      </p:pic>
+    </p:spTree>
+    <p:extLst>
+      <p:ext uri="{BB962C8B-B14F-4D97-AF65-F5344CB8AC3E}">
+        <p14:creationId xmlns:p14="http://schemas.microsoft.com/office/powerpoint/2010/main" val="211235"/>
+      </p:ext>
+    </p:extLst>
+  </p:cSld>
+  <p:clrMapOvr>
+    <a:masterClrMapping/>
+  </p:clrMapOvr>
+</p:sld>
+</file>
+
 <file path=ppt/theme/theme1.xml><?xml version="1.0" encoding="utf-8"?>
 <a:theme xmlns:a="http://schemas.openxmlformats.org/drawingml/2006/main" name="Tema de Office">
   <a:themeElements>

--- a/Imagenes/presentacion_iconos.pptx
+++ b/Imagenes/presentacion_iconos.pptx
@@ -10,6 +10,7 @@
     <p:sldId id="258" r:id="rId4"/>
     <p:sldId id="259" r:id="rId5"/>
     <p:sldId id="260" r:id="rId6"/>
+    <p:sldId id="261" r:id="rId7"/>
   </p:sldIdLst>
   <p:sldSz cx="12192000" cy="6858000"/>
   <p:notesSz cx="6858000" cy="9144000"/>
@@ -263,7 +264,7 @@
           <a:p>
             <a:fld id="{05E93951-F40E-4A2D-AEE9-CDC3C3196AFF}" type="datetimeFigureOut">
               <a:rPr lang="es-ES" smtClean="0"/>
-              <a:t>24/05/2024</a:t>
+              <a:t>28/05/2024</a:t>
             </a:fld>
             <a:endParaRPr lang="es-ES"/>
           </a:p>
@@ -461,7 +462,7 @@
           <a:p>
             <a:fld id="{05E93951-F40E-4A2D-AEE9-CDC3C3196AFF}" type="datetimeFigureOut">
               <a:rPr lang="es-ES" smtClean="0"/>
-              <a:t>24/05/2024</a:t>
+              <a:t>28/05/2024</a:t>
             </a:fld>
             <a:endParaRPr lang="es-ES"/>
           </a:p>
@@ -669,7 +670,7 @@
           <a:p>
             <a:fld id="{05E93951-F40E-4A2D-AEE9-CDC3C3196AFF}" type="datetimeFigureOut">
               <a:rPr lang="es-ES" smtClean="0"/>
-              <a:t>24/05/2024</a:t>
+              <a:t>28/05/2024</a:t>
             </a:fld>
             <a:endParaRPr lang="es-ES"/>
           </a:p>
@@ -867,7 +868,7 @@
           <a:p>
             <a:fld id="{05E93951-F40E-4A2D-AEE9-CDC3C3196AFF}" type="datetimeFigureOut">
               <a:rPr lang="es-ES" smtClean="0"/>
-              <a:t>24/05/2024</a:t>
+              <a:t>28/05/2024</a:t>
             </a:fld>
             <a:endParaRPr lang="es-ES"/>
           </a:p>
@@ -1142,7 +1143,7 @@
           <a:p>
             <a:fld id="{05E93951-F40E-4A2D-AEE9-CDC3C3196AFF}" type="datetimeFigureOut">
               <a:rPr lang="es-ES" smtClean="0"/>
-              <a:t>24/05/2024</a:t>
+              <a:t>28/05/2024</a:t>
             </a:fld>
             <a:endParaRPr lang="es-ES"/>
           </a:p>
@@ -1407,7 +1408,7 @@
           <a:p>
             <a:fld id="{05E93951-F40E-4A2D-AEE9-CDC3C3196AFF}" type="datetimeFigureOut">
               <a:rPr lang="es-ES" smtClean="0"/>
-              <a:t>24/05/2024</a:t>
+              <a:t>28/05/2024</a:t>
             </a:fld>
             <a:endParaRPr lang="es-ES"/>
           </a:p>
@@ -1819,7 +1820,7 @@
           <a:p>
             <a:fld id="{05E93951-F40E-4A2D-AEE9-CDC3C3196AFF}" type="datetimeFigureOut">
               <a:rPr lang="es-ES" smtClean="0"/>
-              <a:t>24/05/2024</a:t>
+              <a:t>28/05/2024</a:t>
             </a:fld>
             <a:endParaRPr lang="es-ES"/>
           </a:p>
@@ -1960,7 +1961,7 @@
           <a:p>
             <a:fld id="{05E93951-F40E-4A2D-AEE9-CDC3C3196AFF}" type="datetimeFigureOut">
               <a:rPr lang="es-ES" smtClean="0"/>
-              <a:t>24/05/2024</a:t>
+              <a:t>28/05/2024</a:t>
             </a:fld>
             <a:endParaRPr lang="es-ES"/>
           </a:p>
@@ -2073,7 +2074,7 @@
           <a:p>
             <a:fld id="{05E93951-F40E-4A2D-AEE9-CDC3C3196AFF}" type="datetimeFigureOut">
               <a:rPr lang="es-ES" smtClean="0"/>
-              <a:t>24/05/2024</a:t>
+              <a:t>28/05/2024</a:t>
             </a:fld>
             <a:endParaRPr lang="es-ES"/>
           </a:p>
@@ -2384,7 +2385,7 @@
           <a:p>
             <a:fld id="{05E93951-F40E-4A2D-AEE9-CDC3C3196AFF}" type="datetimeFigureOut">
               <a:rPr lang="es-ES" smtClean="0"/>
-              <a:t>24/05/2024</a:t>
+              <a:t>28/05/2024</a:t>
             </a:fld>
             <a:endParaRPr lang="es-ES"/>
           </a:p>
@@ -2672,7 +2673,7 @@
           <a:p>
             <a:fld id="{05E93951-F40E-4A2D-AEE9-CDC3C3196AFF}" type="datetimeFigureOut">
               <a:rPr lang="es-ES" smtClean="0"/>
-              <a:t>24/05/2024</a:t>
+              <a:t>28/05/2024</a:t>
             </a:fld>
             <a:endParaRPr lang="es-ES"/>
           </a:p>
@@ -2913,7 +2914,7 @@
           <a:p>
             <a:fld id="{05E93951-F40E-4A2D-AEE9-CDC3C3196AFF}" type="datetimeFigureOut">
               <a:rPr lang="es-ES" smtClean="0"/>
-              <a:t>24/05/2024</a:t>
+              <a:t>28/05/2024</a:t>
             </a:fld>
             <a:endParaRPr lang="es-ES"/>
           </a:p>
@@ -4177,6 +4178,176 @@
 </p:sld>
 </file>
 
+<file path=ppt/slides/slide6.xml><?xml version="1.0" encoding="utf-8"?>
+<p:sld xmlns:a="http://schemas.openxmlformats.org/drawingml/2006/main" xmlns:r="http://schemas.openxmlformats.org/officeDocument/2006/relationships" xmlns:p="http://schemas.openxmlformats.org/presentationml/2006/main">
+  <p:cSld>
+    <p:spTree>
+      <p:nvGrpSpPr>
+        <p:cNvPr id="1" name=""/>
+        <p:cNvGrpSpPr/>
+        <p:nvPr/>
+      </p:nvGrpSpPr>
+      <p:grpSpPr>
+        <a:xfrm>
+          <a:off x="0" y="0"/>
+          <a:ext cx="0" cy="0"/>
+          <a:chOff x="0" y="0"/>
+          <a:chExt cx="0" cy="0"/>
+        </a:xfrm>
+      </p:grpSpPr>
+      <p:sp>
+        <p:nvSpPr>
+          <p:cNvPr id="4" name="Rectángulo 3">
+            <a:extLst>
+              <a:ext uri="{FF2B5EF4-FFF2-40B4-BE49-F238E27FC236}">
+                <a16:creationId xmlns:a16="http://schemas.microsoft.com/office/drawing/2014/main" id="{8EFDB355-27DA-0002-9E99-6510DD170631}"/>
+              </a:ext>
+            </a:extLst>
+          </p:cNvPr>
+          <p:cNvSpPr/>
+          <p:nvPr/>
+        </p:nvSpPr>
+        <p:spPr>
+          <a:xfrm>
+            <a:off x="0" y="0"/>
+            <a:ext cx="6783355" cy="6858000"/>
+          </a:xfrm>
+          <a:prstGeom prst="rect">
+            <a:avLst/>
+          </a:prstGeom>
+          <a:solidFill>
+            <a:schemeClr val="accent2">
+              <a:lumMod val="75000"/>
+            </a:schemeClr>
+          </a:solidFill>
+          <a:ln>
+            <a:solidFill>
+              <a:schemeClr val="accent2">
+                <a:lumMod val="75000"/>
+              </a:schemeClr>
+            </a:solidFill>
+          </a:ln>
+        </p:spPr>
+        <p:style>
+          <a:lnRef idx="2">
+            <a:schemeClr val="accent1">
+              <a:shade val="15000"/>
+            </a:schemeClr>
+          </a:lnRef>
+          <a:fillRef idx="1">
+            <a:schemeClr val="accent1"/>
+          </a:fillRef>
+          <a:effectRef idx="0">
+            <a:schemeClr val="accent1"/>
+          </a:effectRef>
+          <a:fontRef idx="minor">
+            <a:schemeClr val="lt1"/>
+          </a:fontRef>
+        </p:style>
+        <p:txBody>
+          <a:bodyPr rtlCol="0" anchor="ctr"/>
+          <a:lstStyle/>
+          <a:p>
+            <a:pPr algn="ctr"/>
+            <a:r>
+              <a:rPr lang="es-ES" sz="6600" b="1" dirty="0"/>
+              <a:t>Regresión </a:t>
+            </a:r>
+          </a:p>
+          <a:p>
+            <a:pPr algn="ctr"/>
+            <a:r>
+              <a:rPr lang="es-ES" sz="6600" b="1" dirty="0"/>
+              <a:t>Logística</a:t>
+            </a:r>
+          </a:p>
+        </p:txBody>
+      </p:sp>
+      <p:pic>
+        <p:nvPicPr>
+          <p:cNvPr id="3" name="Imagen 2" descr="Dibujo en blanco y negro&#10;&#10;Descripción generada automáticamente con confianza media">
+            <a:extLst>
+              <a:ext uri="{FF2B5EF4-FFF2-40B4-BE49-F238E27FC236}">
+                <a16:creationId xmlns:a16="http://schemas.microsoft.com/office/drawing/2014/main" id="{CFF172DE-A930-0054-C298-0A93AB8EECE4}"/>
+              </a:ext>
+            </a:extLst>
+          </p:cNvPr>
+          <p:cNvPicPr>
+            <a:picLocks noChangeAspect="1"/>
+          </p:cNvPicPr>
+          <p:nvPr/>
+        </p:nvPicPr>
+        <p:blipFill>
+          <a:blip r:embed="rId2">
+            <a:extLst>
+              <a:ext uri="{28A0092B-C50C-407E-A947-70E740481C1C}">
+                <a14:useLocalDpi xmlns:a14="http://schemas.microsoft.com/office/drawing/2010/main" val="0"/>
+              </a:ext>
+            </a:extLst>
+          </a:blip>
+          <a:stretch>
+            <a:fillRect/>
+          </a:stretch>
+        </p:blipFill>
+        <p:spPr>
+          <a:xfrm>
+            <a:off x="8280000" y="3600000"/>
+            <a:ext cx="2160000" cy="2160000"/>
+          </a:xfrm>
+          <a:prstGeom prst="rect">
+            <a:avLst/>
+          </a:prstGeom>
+        </p:spPr>
+      </p:pic>
+      <p:pic>
+        <p:nvPicPr>
+          <p:cNvPr id="6" name="Imagen 5" descr="Imagen que contiene objeto, reloj, verde&#10;&#10;Descripción generada automáticamente">
+            <a:extLst>
+              <a:ext uri="{FF2B5EF4-FFF2-40B4-BE49-F238E27FC236}">
+                <a16:creationId xmlns:a16="http://schemas.microsoft.com/office/drawing/2014/main" id="{90B84059-E607-B4C2-11D4-5896E1731C3A}"/>
+              </a:ext>
+            </a:extLst>
+          </p:cNvPr>
+          <p:cNvPicPr>
+            <a:picLocks noChangeAspect="1"/>
+          </p:cNvPicPr>
+          <p:nvPr/>
+        </p:nvPicPr>
+        <p:blipFill>
+          <a:blip r:embed="rId3">
+            <a:extLst>
+              <a:ext uri="{28A0092B-C50C-407E-A947-70E740481C1C}">
+                <a14:useLocalDpi xmlns:a14="http://schemas.microsoft.com/office/drawing/2010/main" val="0"/>
+              </a:ext>
+            </a:extLst>
+          </a:blip>
+          <a:stretch>
+            <a:fillRect/>
+          </a:stretch>
+        </p:blipFill>
+        <p:spPr>
+          <a:xfrm>
+            <a:off x="8280000" y="1080000"/>
+            <a:ext cx="2160000" cy="2160000"/>
+          </a:xfrm>
+          <a:prstGeom prst="rect">
+            <a:avLst/>
+          </a:prstGeom>
+        </p:spPr>
+      </p:pic>
+    </p:spTree>
+    <p:extLst>
+      <p:ext uri="{BB962C8B-B14F-4D97-AF65-F5344CB8AC3E}">
+        <p14:creationId xmlns:p14="http://schemas.microsoft.com/office/powerpoint/2010/main" val="2689310113"/>
+      </p:ext>
+    </p:extLst>
+  </p:cSld>
+  <p:clrMapOvr>
+    <a:masterClrMapping/>
+  </p:clrMapOvr>
+</p:sld>
+</file>
+
 <file path=ppt/theme/theme1.xml><?xml version="1.0" encoding="utf-8"?>
 <a:theme xmlns:a="http://schemas.openxmlformats.org/drawingml/2006/main" name="Tema de Office">
   <a:themeElements>

--- a/Imagenes/presentacion_iconos.pptx
+++ b/Imagenes/presentacion_iconos.pptx
@@ -11,6 +11,7 @@
     <p:sldId id="259" r:id="rId5"/>
     <p:sldId id="260" r:id="rId6"/>
     <p:sldId id="261" r:id="rId7"/>
+    <p:sldId id="262" r:id="rId8"/>
   </p:sldIdLst>
   <p:sldSz cx="12192000" cy="6858000"/>
   <p:notesSz cx="6858000" cy="9144000"/>
@@ -264,7 +265,7 @@
           <a:p>
             <a:fld id="{05E93951-F40E-4A2D-AEE9-CDC3C3196AFF}" type="datetimeFigureOut">
               <a:rPr lang="es-ES" smtClean="0"/>
-              <a:t>28/05/2024</a:t>
+              <a:t>29/05/2024</a:t>
             </a:fld>
             <a:endParaRPr lang="es-ES"/>
           </a:p>
@@ -462,7 +463,7 @@
           <a:p>
             <a:fld id="{05E93951-F40E-4A2D-AEE9-CDC3C3196AFF}" type="datetimeFigureOut">
               <a:rPr lang="es-ES" smtClean="0"/>
-              <a:t>28/05/2024</a:t>
+              <a:t>29/05/2024</a:t>
             </a:fld>
             <a:endParaRPr lang="es-ES"/>
           </a:p>
@@ -670,7 +671,7 @@
           <a:p>
             <a:fld id="{05E93951-F40E-4A2D-AEE9-CDC3C3196AFF}" type="datetimeFigureOut">
               <a:rPr lang="es-ES" smtClean="0"/>
-              <a:t>28/05/2024</a:t>
+              <a:t>29/05/2024</a:t>
             </a:fld>
             <a:endParaRPr lang="es-ES"/>
           </a:p>
@@ -868,7 +869,7 @@
           <a:p>
             <a:fld id="{05E93951-F40E-4A2D-AEE9-CDC3C3196AFF}" type="datetimeFigureOut">
               <a:rPr lang="es-ES" smtClean="0"/>
-              <a:t>28/05/2024</a:t>
+              <a:t>29/05/2024</a:t>
             </a:fld>
             <a:endParaRPr lang="es-ES"/>
           </a:p>
@@ -1143,7 +1144,7 @@
           <a:p>
             <a:fld id="{05E93951-F40E-4A2D-AEE9-CDC3C3196AFF}" type="datetimeFigureOut">
               <a:rPr lang="es-ES" smtClean="0"/>
-              <a:t>28/05/2024</a:t>
+              <a:t>29/05/2024</a:t>
             </a:fld>
             <a:endParaRPr lang="es-ES"/>
           </a:p>
@@ -1408,7 +1409,7 @@
           <a:p>
             <a:fld id="{05E93951-F40E-4A2D-AEE9-CDC3C3196AFF}" type="datetimeFigureOut">
               <a:rPr lang="es-ES" smtClean="0"/>
-              <a:t>28/05/2024</a:t>
+              <a:t>29/05/2024</a:t>
             </a:fld>
             <a:endParaRPr lang="es-ES"/>
           </a:p>
@@ -1820,7 +1821,7 @@
           <a:p>
             <a:fld id="{05E93951-F40E-4A2D-AEE9-CDC3C3196AFF}" type="datetimeFigureOut">
               <a:rPr lang="es-ES" smtClean="0"/>
-              <a:t>28/05/2024</a:t>
+              <a:t>29/05/2024</a:t>
             </a:fld>
             <a:endParaRPr lang="es-ES"/>
           </a:p>
@@ -1961,7 +1962,7 @@
           <a:p>
             <a:fld id="{05E93951-F40E-4A2D-AEE9-CDC3C3196AFF}" type="datetimeFigureOut">
               <a:rPr lang="es-ES" smtClean="0"/>
-              <a:t>28/05/2024</a:t>
+              <a:t>29/05/2024</a:t>
             </a:fld>
             <a:endParaRPr lang="es-ES"/>
           </a:p>
@@ -2074,7 +2075,7 @@
           <a:p>
             <a:fld id="{05E93951-F40E-4A2D-AEE9-CDC3C3196AFF}" type="datetimeFigureOut">
               <a:rPr lang="es-ES" smtClean="0"/>
-              <a:t>28/05/2024</a:t>
+              <a:t>29/05/2024</a:t>
             </a:fld>
             <a:endParaRPr lang="es-ES"/>
           </a:p>
@@ -2385,7 +2386,7 @@
           <a:p>
             <a:fld id="{05E93951-F40E-4A2D-AEE9-CDC3C3196AFF}" type="datetimeFigureOut">
               <a:rPr lang="es-ES" smtClean="0"/>
-              <a:t>28/05/2024</a:t>
+              <a:t>29/05/2024</a:t>
             </a:fld>
             <a:endParaRPr lang="es-ES"/>
           </a:p>
@@ -2673,7 +2674,7 @@
           <a:p>
             <a:fld id="{05E93951-F40E-4A2D-AEE9-CDC3C3196AFF}" type="datetimeFigureOut">
               <a:rPr lang="es-ES" smtClean="0"/>
-              <a:t>28/05/2024</a:t>
+              <a:t>29/05/2024</a:t>
             </a:fld>
             <a:endParaRPr lang="es-ES"/>
           </a:p>
@@ -2914,7 +2915,7 @@
           <a:p>
             <a:fld id="{05E93951-F40E-4A2D-AEE9-CDC3C3196AFF}" type="datetimeFigureOut">
               <a:rPr lang="es-ES" smtClean="0"/>
-              <a:t>28/05/2024</a:t>
+              <a:t>29/05/2024</a:t>
             </a:fld>
             <a:endParaRPr lang="es-ES"/>
           </a:p>
@@ -4348,6 +4349,190 @@
 </p:sld>
 </file>
 
+<file path=ppt/slides/slide7.xml><?xml version="1.0" encoding="utf-8"?>
+<p:sld xmlns:a="http://schemas.openxmlformats.org/drawingml/2006/main" xmlns:r="http://schemas.openxmlformats.org/officeDocument/2006/relationships" xmlns:p="http://schemas.openxmlformats.org/presentationml/2006/main">
+  <p:cSld>
+    <p:spTree>
+      <p:nvGrpSpPr>
+        <p:cNvPr id="1" name=""/>
+        <p:cNvGrpSpPr/>
+        <p:nvPr/>
+      </p:nvGrpSpPr>
+      <p:grpSpPr>
+        <a:xfrm>
+          <a:off x="0" y="0"/>
+          <a:ext cx="0" cy="0"/>
+          <a:chOff x="0" y="0"/>
+          <a:chExt cx="0" cy="0"/>
+        </a:xfrm>
+      </p:grpSpPr>
+      <p:sp>
+        <p:nvSpPr>
+          <p:cNvPr id="4" name="Rectángulo 3">
+            <a:extLst>
+              <a:ext uri="{FF2B5EF4-FFF2-40B4-BE49-F238E27FC236}">
+                <a16:creationId xmlns:a16="http://schemas.microsoft.com/office/drawing/2014/main" id="{8EFDB355-27DA-0002-9E99-6510DD170631}"/>
+              </a:ext>
+            </a:extLst>
+          </p:cNvPr>
+          <p:cNvSpPr/>
+          <p:nvPr/>
+        </p:nvSpPr>
+        <p:spPr>
+          <a:xfrm>
+            <a:off x="0" y="0"/>
+            <a:ext cx="6783355" cy="6858000"/>
+          </a:xfrm>
+          <a:prstGeom prst="rect">
+            <a:avLst/>
+          </a:prstGeom>
+          <a:solidFill>
+            <a:schemeClr val="accent2">
+              <a:lumMod val="75000"/>
+            </a:schemeClr>
+          </a:solidFill>
+          <a:ln>
+            <a:solidFill>
+              <a:schemeClr val="accent2">
+                <a:lumMod val="75000"/>
+              </a:schemeClr>
+            </a:solidFill>
+          </a:ln>
+        </p:spPr>
+        <p:style>
+          <a:lnRef idx="2">
+            <a:schemeClr val="accent1">
+              <a:shade val="15000"/>
+            </a:schemeClr>
+          </a:lnRef>
+          <a:fillRef idx="1">
+            <a:schemeClr val="accent1"/>
+          </a:fillRef>
+          <a:effectRef idx="0">
+            <a:schemeClr val="accent1"/>
+          </a:effectRef>
+          <a:fontRef idx="minor">
+            <a:schemeClr val="lt1"/>
+          </a:fontRef>
+        </p:style>
+        <p:txBody>
+          <a:bodyPr rtlCol="0" anchor="ctr"/>
+          <a:lstStyle/>
+          <a:p>
+            <a:pPr algn="ctr"/>
+            <a:r>
+              <a:rPr lang="es-ES" sz="6600" b="1" dirty="0"/>
+              <a:t>Árboles de decisión </a:t>
+            </a:r>
+          </a:p>
+          <a:p>
+            <a:pPr algn="ctr"/>
+            <a:r>
+              <a:rPr lang="es-ES" sz="6600" b="1" dirty="0"/>
+              <a:t>y </a:t>
+            </a:r>
+          </a:p>
+          <a:p>
+            <a:pPr algn="ctr"/>
+            <a:r>
+              <a:rPr lang="es-ES" sz="6600" b="1" dirty="0"/>
+              <a:t>Bosques </a:t>
+            </a:r>
+          </a:p>
+          <a:p>
+            <a:pPr algn="ctr"/>
+            <a:r>
+              <a:rPr lang="es-ES" sz="6600" b="1" dirty="0"/>
+              <a:t>aleatorios</a:t>
+            </a:r>
+          </a:p>
+        </p:txBody>
+      </p:sp>
+      <p:pic>
+        <p:nvPicPr>
+          <p:cNvPr id="5" name="Imagen 4" descr="Interfaz de usuario gráfica, Aplicación, Icono&#10;&#10;Descripción generada automáticamente">
+            <a:extLst>
+              <a:ext uri="{FF2B5EF4-FFF2-40B4-BE49-F238E27FC236}">
+                <a16:creationId xmlns:a16="http://schemas.microsoft.com/office/drawing/2014/main" id="{79008B29-9854-8064-D229-98405B079FF1}"/>
+              </a:ext>
+            </a:extLst>
+          </p:cNvPr>
+          <p:cNvPicPr>
+            <a:picLocks noChangeAspect="1"/>
+          </p:cNvPicPr>
+          <p:nvPr/>
+        </p:nvPicPr>
+        <p:blipFill>
+          <a:blip r:embed="rId2">
+            <a:extLst>
+              <a:ext uri="{28A0092B-C50C-407E-A947-70E740481C1C}">
+                <a14:useLocalDpi xmlns:a14="http://schemas.microsoft.com/office/drawing/2010/main" val="0"/>
+              </a:ext>
+            </a:extLst>
+          </a:blip>
+          <a:stretch>
+            <a:fillRect/>
+          </a:stretch>
+        </p:blipFill>
+        <p:spPr>
+          <a:xfrm>
+            <a:off x="8281260" y="3600000"/>
+            <a:ext cx="2160000" cy="2160000"/>
+          </a:xfrm>
+          <a:prstGeom prst="rect">
+            <a:avLst/>
+          </a:prstGeom>
+        </p:spPr>
+      </p:pic>
+      <p:pic>
+        <p:nvPicPr>
+          <p:cNvPr id="8" name="Imagen 7" descr="Imagen que contiene Icono&#10;&#10;Descripción generada automáticamente">
+            <a:extLst>
+              <a:ext uri="{FF2B5EF4-FFF2-40B4-BE49-F238E27FC236}">
+                <a16:creationId xmlns:a16="http://schemas.microsoft.com/office/drawing/2014/main" id="{196CE942-F0D3-4EC1-B59D-550134DEA484}"/>
+              </a:ext>
+            </a:extLst>
+          </p:cNvPr>
+          <p:cNvPicPr>
+            <a:picLocks noChangeAspect="1"/>
+          </p:cNvPicPr>
+          <p:nvPr/>
+        </p:nvPicPr>
+        <p:blipFill>
+          <a:blip r:embed="rId3">
+            <a:extLst>
+              <a:ext uri="{28A0092B-C50C-407E-A947-70E740481C1C}">
+                <a14:useLocalDpi xmlns:a14="http://schemas.microsoft.com/office/drawing/2010/main" val="0"/>
+              </a:ext>
+            </a:extLst>
+          </a:blip>
+          <a:stretch>
+            <a:fillRect/>
+          </a:stretch>
+        </p:blipFill>
+        <p:spPr>
+          <a:xfrm>
+            <a:off x="8281260" y="1080000"/>
+            <a:ext cx="2160000" cy="2160000"/>
+          </a:xfrm>
+          <a:prstGeom prst="rect">
+            <a:avLst/>
+          </a:prstGeom>
+        </p:spPr>
+      </p:pic>
+    </p:spTree>
+    <p:extLst>
+      <p:ext uri="{BB962C8B-B14F-4D97-AF65-F5344CB8AC3E}">
+        <p14:creationId xmlns:p14="http://schemas.microsoft.com/office/powerpoint/2010/main" val="1889492212"/>
+      </p:ext>
+    </p:extLst>
+  </p:cSld>
+  <p:clrMapOvr>
+    <a:masterClrMapping/>
+  </p:clrMapOvr>
+</p:sld>
+</file>
+
 <file path=ppt/theme/theme1.xml><?xml version="1.0" encoding="utf-8"?>
 <a:theme xmlns:a="http://schemas.openxmlformats.org/drawingml/2006/main" name="Tema de Office">
   <a:themeElements>

--- a/Imagenes/presentacion_iconos.pptx
+++ b/Imagenes/presentacion_iconos.pptx
@@ -12,6 +12,7 @@
     <p:sldId id="260" r:id="rId6"/>
     <p:sldId id="261" r:id="rId7"/>
     <p:sldId id="262" r:id="rId8"/>
+    <p:sldId id="263" r:id="rId9"/>
   </p:sldIdLst>
   <p:sldSz cx="12192000" cy="6858000"/>
   <p:notesSz cx="6858000" cy="9144000"/>
@@ -265,7 +266,7 @@
           <a:p>
             <a:fld id="{05E93951-F40E-4A2D-AEE9-CDC3C3196AFF}" type="datetimeFigureOut">
               <a:rPr lang="es-ES" smtClean="0"/>
-              <a:t>29/05/2024</a:t>
+              <a:t>31/05/2024</a:t>
             </a:fld>
             <a:endParaRPr lang="es-ES"/>
           </a:p>
@@ -463,7 +464,7 @@
           <a:p>
             <a:fld id="{05E93951-F40E-4A2D-AEE9-CDC3C3196AFF}" type="datetimeFigureOut">
               <a:rPr lang="es-ES" smtClean="0"/>
-              <a:t>29/05/2024</a:t>
+              <a:t>31/05/2024</a:t>
             </a:fld>
             <a:endParaRPr lang="es-ES"/>
           </a:p>
@@ -671,7 +672,7 @@
           <a:p>
             <a:fld id="{05E93951-F40E-4A2D-AEE9-CDC3C3196AFF}" type="datetimeFigureOut">
               <a:rPr lang="es-ES" smtClean="0"/>
-              <a:t>29/05/2024</a:t>
+              <a:t>31/05/2024</a:t>
             </a:fld>
             <a:endParaRPr lang="es-ES"/>
           </a:p>
@@ -869,7 +870,7 @@
           <a:p>
             <a:fld id="{05E93951-F40E-4A2D-AEE9-CDC3C3196AFF}" type="datetimeFigureOut">
               <a:rPr lang="es-ES" smtClean="0"/>
-              <a:t>29/05/2024</a:t>
+              <a:t>31/05/2024</a:t>
             </a:fld>
             <a:endParaRPr lang="es-ES"/>
           </a:p>
@@ -1144,7 +1145,7 @@
           <a:p>
             <a:fld id="{05E93951-F40E-4A2D-AEE9-CDC3C3196AFF}" type="datetimeFigureOut">
               <a:rPr lang="es-ES" smtClean="0"/>
-              <a:t>29/05/2024</a:t>
+              <a:t>31/05/2024</a:t>
             </a:fld>
             <a:endParaRPr lang="es-ES"/>
           </a:p>
@@ -1409,7 +1410,7 @@
           <a:p>
             <a:fld id="{05E93951-F40E-4A2D-AEE9-CDC3C3196AFF}" type="datetimeFigureOut">
               <a:rPr lang="es-ES" smtClean="0"/>
-              <a:t>29/05/2024</a:t>
+              <a:t>31/05/2024</a:t>
             </a:fld>
             <a:endParaRPr lang="es-ES"/>
           </a:p>
@@ -1821,7 +1822,7 @@
           <a:p>
             <a:fld id="{05E93951-F40E-4A2D-AEE9-CDC3C3196AFF}" type="datetimeFigureOut">
               <a:rPr lang="es-ES" smtClean="0"/>
-              <a:t>29/05/2024</a:t>
+              <a:t>31/05/2024</a:t>
             </a:fld>
             <a:endParaRPr lang="es-ES"/>
           </a:p>
@@ -1962,7 +1963,7 @@
           <a:p>
             <a:fld id="{05E93951-F40E-4A2D-AEE9-CDC3C3196AFF}" type="datetimeFigureOut">
               <a:rPr lang="es-ES" smtClean="0"/>
-              <a:t>29/05/2024</a:t>
+              <a:t>31/05/2024</a:t>
             </a:fld>
             <a:endParaRPr lang="es-ES"/>
           </a:p>
@@ -2075,7 +2076,7 @@
           <a:p>
             <a:fld id="{05E93951-F40E-4A2D-AEE9-CDC3C3196AFF}" type="datetimeFigureOut">
               <a:rPr lang="es-ES" smtClean="0"/>
-              <a:t>29/05/2024</a:t>
+              <a:t>31/05/2024</a:t>
             </a:fld>
             <a:endParaRPr lang="es-ES"/>
           </a:p>
@@ -2386,7 +2387,7 @@
           <a:p>
             <a:fld id="{05E93951-F40E-4A2D-AEE9-CDC3C3196AFF}" type="datetimeFigureOut">
               <a:rPr lang="es-ES" smtClean="0"/>
-              <a:t>29/05/2024</a:t>
+              <a:t>31/05/2024</a:t>
             </a:fld>
             <a:endParaRPr lang="es-ES"/>
           </a:p>
@@ -2674,7 +2675,7 @@
           <a:p>
             <a:fld id="{05E93951-F40E-4A2D-AEE9-CDC3C3196AFF}" type="datetimeFigureOut">
               <a:rPr lang="es-ES" smtClean="0"/>
-              <a:t>29/05/2024</a:t>
+              <a:t>31/05/2024</a:t>
             </a:fld>
             <a:endParaRPr lang="es-ES"/>
           </a:p>
@@ -2915,7 +2916,7 @@
           <a:p>
             <a:fld id="{05E93951-F40E-4A2D-AEE9-CDC3C3196AFF}" type="datetimeFigureOut">
               <a:rPr lang="es-ES" smtClean="0"/>
-              <a:t>29/05/2024</a:t>
+              <a:t>31/05/2024</a:t>
             </a:fld>
             <a:endParaRPr lang="es-ES"/>
           </a:p>
@@ -4533,6 +4534,218 @@
 </p:sld>
 </file>
 
+<file path=ppt/slides/slide8.xml><?xml version="1.0" encoding="utf-8"?>
+<p:sld xmlns:a="http://schemas.openxmlformats.org/drawingml/2006/main" xmlns:r="http://schemas.openxmlformats.org/officeDocument/2006/relationships" xmlns:p="http://schemas.openxmlformats.org/presentationml/2006/main">
+  <p:cSld>
+    <p:spTree>
+      <p:nvGrpSpPr>
+        <p:cNvPr id="1" name=""/>
+        <p:cNvGrpSpPr/>
+        <p:nvPr/>
+      </p:nvGrpSpPr>
+      <p:grpSpPr>
+        <a:xfrm>
+          <a:off x="0" y="0"/>
+          <a:ext cx="0" cy="0"/>
+          <a:chOff x="0" y="0"/>
+          <a:chExt cx="0" cy="0"/>
+        </a:xfrm>
+      </p:grpSpPr>
+      <p:sp>
+        <p:nvSpPr>
+          <p:cNvPr id="4" name="Rectángulo 3">
+            <a:extLst>
+              <a:ext uri="{FF2B5EF4-FFF2-40B4-BE49-F238E27FC236}">
+                <a16:creationId xmlns:a16="http://schemas.microsoft.com/office/drawing/2014/main" id="{8EFDB355-27DA-0002-9E99-6510DD170631}"/>
+              </a:ext>
+            </a:extLst>
+          </p:cNvPr>
+          <p:cNvSpPr/>
+          <p:nvPr/>
+        </p:nvSpPr>
+        <p:spPr>
+          <a:xfrm>
+            <a:off x="0" y="0"/>
+            <a:ext cx="6783355" cy="6858000"/>
+          </a:xfrm>
+          <a:prstGeom prst="rect">
+            <a:avLst/>
+          </a:prstGeom>
+          <a:solidFill>
+            <a:schemeClr val="accent2">
+              <a:lumMod val="75000"/>
+            </a:schemeClr>
+          </a:solidFill>
+          <a:ln>
+            <a:solidFill>
+              <a:schemeClr val="accent2">
+                <a:lumMod val="75000"/>
+              </a:schemeClr>
+            </a:solidFill>
+          </a:ln>
+        </p:spPr>
+        <p:style>
+          <a:lnRef idx="2">
+            <a:schemeClr val="accent1">
+              <a:shade val="15000"/>
+            </a:schemeClr>
+          </a:lnRef>
+          <a:fillRef idx="1">
+            <a:schemeClr val="accent1"/>
+          </a:fillRef>
+          <a:effectRef idx="0">
+            <a:schemeClr val="accent1"/>
+          </a:effectRef>
+          <a:fontRef idx="minor">
+            <a:schemeClr val="lt1"/>
+          </a:fontRef>
+        </p:style>
+        <p:txBody>
+          <a:bodyPr rtlCol="0" anchor="ctr"/>
+          <a:lstStyle/>
+          <a:p>
+            <a:pPr algn="ctr"/>
+            <a:r>
+              <a:rPr lang="es-MX" sz="6600" b="1" dirty="0"/>
+              <a:t>Aprendizaje no Supervisado</a:t>
+            </a:r>
+            <a:endParaRPr lang="es-ES" sz="6600" b="1" dirty="0"/>
+          </a:p>
+        </p:txBody>
+      </p:sp>
+      <p:sp>
+        <p:nvSpPr>
+          <p:cNvPr id="2" name="AutoShape 2" descr="icon_kmeans">
+            <a:extLst>
+              <a:ext uri="{FF2B5EF4-FFF2-40B4-BE49-F238E27FC236}">
+                <a16:creationId xmlns:a16="http://schemas.microsoft.com/office/drawing/2014/main" id="{584BB198-0B28-0510-93F2-28AD6D3F349A}"/>
+              </a:ext>
+            </a:extLst>
+          </p:cNvPr>
+          <p:cNvSpPr>
+            <a:spLocks noChangeAspect="1" noChangeArrowheads="1"/>
+          </p:cNvSpPr>
+          <p:nvPr/>
+        </p:nvSpPr>
+        <p:spPr bwMode="auto">
+          <a:xfrm>
+            <a:off x="5943600" y="3276600"/>
+            <a:ext cx="304800" cy="304800"/>
+          </a:xfrm>
+          <a:prstGeom prst="rect">
+            <a:avLst/>
+          </a:prstGeom>
+          <a:noFill/>
+          <a:extLst>
+            <a:ext uri="{909E8E84-426E-40DD-AFC4-6F175D3DCCD1}">
+              <a14:hiddenFill xmlns:a14="http://schemas.microsoft.com/office/drawing/2010/main">
+                <a:solidFill>
+                  <a:srgbClr val="FFFFFF"/>
+                </a:solidFill>
+              </a14:hiddenFill>
+            </a:ext>
+          </a:extLst>
+        </p:spPr>
+        <p:txBody>
+          <a:bodyPr vert="horz" wrap="square" lIns="91440" tIns="45720" rIns="91440" bIns="45720" numCol="1" anchor="t" anchorCtr="0" compatLnSpc="1">
+            <a:prstTxWarp prst="textNoShape">
+              <a:avLst/>
+            </a:prstTxWarp>
+          </a:bodyPr>
+          <a:lstStyle/>
+          <a:p>
+            <a:endParaRPr lang="es-ES"/>
+          </a:p>
+        </p:txBody>
+      </p:sp>
+      <p:pic>
+        <p:nvPicPr>
+          <p:cNvPr id="6" name="Imagen 5" descr="Icono&#10;&#10;Descripción generada automáticamente">
+            <a:extLst>
+              <a:ext uri="{FF2B5EF4-FFF2-40B4-BE49-F238E27FC236}">
+                <a16:creationId xmlns:a16="http://schemas.microsoft.com/office/drawing/2014/main" id="{37C7E752-507C-F949-58E1-8DFF308C3216}"/>
+              </a:ext>
+            </a:extLst>
+          </p:cNvPr>
+          <p:cNvPicPr>
+            <a:picLocks noChangeAspect="1"/>
+          </p:cNvPicPr>
+          <p:nvPr/>
+        </p:nvPicPr>
+        <p:blipFill>
+          <a:blip r:embed="rId2">
+            <a:extLst>
+              <a:ext uri="{28A0092B-C50C-407E-A947-70E740481C1C}">
+                <a14:useLocalDpi xmlns:a14="http://schemas.microsoft.com/office/drawing/2010/main" val="0"/>
+              </a:ext>
+            </a:extLst>
+          </a:blip>
+          <a:stretch>
+            <a:fillRect/>
+          </a:stretch>
+        </p:blipFill>
+        <p:spPr>
+          <a:xfrm>
+            <a:off x="8280000" y="1080000"/>
+            <a:ext cx="2160000" cy="2160000"/>
+          </a:xfrm>
+          <a:prstGeom prst="rect">
+            <a:avLst/>
+          </a:prstGeom>
+        </p:spPr>
+      </p:pic>
+      <p:pic>
+        <p:nvPicPr>
+          <p:cNvPr id="9" name="Gráfico 8">
+            <a:extLst>
+              <a:ext uri="{FF2B5EF4-FFF2-40B4-BE49-F238E27FC236}">
+                <a16:creationId xmlns:a16="http://schemas.microsoft.com/office/drawing/2014/main" id="{205F7496-82EF-9647-4F61-A1066CA7E06B}"/>
+              </a:ext>
+            </a:extLst>
+          </p:cNvPr>
+          <p:cNvPicPr>
+            <a:picLocks noChangeAspect="1"/>
+          </p:cNvPicPr>
+          <p:nvPr/>
+        </p:nvPicPr>
+        <p:blipFill>
+          <a:blip r:embed="rId3">
+            <a:extLst>
+              <a:ext uri="{28A0092B-C50C-407E-A947-70E740481C1C}">
+                <a14:useLocalDpi xmlns:a14="http://schemas.microsoft.com/office/drawing/2010/main" val="0"/>
+              </a:ext>
+              <a:ext uri="{96DAC541-7B7A-43D3-8B79-37D633B846F1}">
+                <asvg:svgBlip xmlns:asvg="http://schemas.microsoft.com/office/drawing/2016/SVG/main" r:embed="rId4"/>
+              </a:ext>
+            </a:extLst>
+          </a:blip>
+          <a:stretch>
+            <a:fillRect/>
+          </a:stretch>
+        </p:blipFill>
+        <p:spPr>
+          <a:xfrm>
+            <a:off x="8280000" y="3600000"/>
+            <a:ext cx="2520000" cy="2520000"/>
+          </a:xfrm>
+          <a:prstGeom prst="rect">
+            <a:avLst/>
+          </a:prstGeom>
+        </p:spPr>
+      </p:pic>
+    </p:spTree>
+    <p:extLst>
+      <p:ext uri="{BB962C8B-B14F-4D97-AF65-F5344CB8AC3E}">
+        <p14:creationId xmlns:p14="http://schemas.microsoft.com/office/powerpoint/2010/main" val="600016336"/>
+      </p:ext>
+    </p:extLst>
+  </p:cSld>
+  <p:clrMapOvr>
+    <a:masterClrMapping/>
+  </p:clrMapOvr>
+</p:sld>
+</file>
+
 <file path=ppt/theme/theme1.xml><?xml version="1.0" encoding="utf-8"?>
 <a:theme xmlns:a="http://schemas.openxmlformats.org/drawingml/2006/main" name="Tema de Office">
   <a:themeElements>

--- a/Imagenes/presentacion_iconos.pptx
+++ b/Imagenes/presentacion_iconos.pptx
@@ -13,6 +13,7 @@
     <p:sldId id="261" r:id="rId7"/>
     <p:sldId id="262" r:id="rId8"/>
     <p:sldId id="263" r:id="rId9"/>
+    <p:sldId id="264" r:id="rId10"/>
   </p:sldIdLst>
   <p:sldSz cx="12192000" cy="6858000"/>
   <p:notesSz cx="6858000" cy="9144000"/>
@@ -266,7 +267,7 @@
           <a:p>
             <a:fld id="{05E93951-F40E-4A2D-AEE9-CDC3C3196AFF}" type="datetimeFigureOut">
               <a:rPr lang="es-ES" smtClean="0"/>
-              <a:t>31/05/2024</a:t>
+              <a:t>04/06/2024</a:t>
             </a:fld>
             <a:endParaRPr lang="es-ES"/>
           </a:p>
@@ -464,7 +465,7 @@
           <a:p>
             <a:fld id="{05E93951-F40E-4A2D-AEE9-CDC3C3196AFF}" type="datetimeFigureOut">
               <a:rPr lang="es-ES" smtClean="0"/>
-              <a:t>31/05/2024</a:t>
+              <a:t>04/06/2024</a:t>
             </a:fld>
             <a:endParaRPr lang="es-ES"/>
           </a:p>
@@ -672,7 +673,7 @@
           <a:p>
             <a:fld id="{05E93951-F40E-4A2D-AEE9-CDC3C3196AFF}" type="datetimeFigureOut">
               <a:rPr lang="es-ES" smtClean="0"/>
-              <a:t>31/05/2024</a:t>
+              <a:t>04/06/2024</a:t>
             </a:fld>
             <a:endParaRPr lang="es-ES"/>
           </a:p>
@@ -870,7 +871,7 @@
           <a:p>
             <a:fld id="{05E93951-F40E-4A2D-AEE9-CDC3C3196AFF}" type="datetimeFigureOut">
               <a:rPr lang="es-ES" smtClean="0"/>
-              <a:t>31/05/2024</a:t>
+              <a:t>04/06/2024</a:t>
             </a:fld>
             <a:endParaRPr lang="es-ES"/>
           </a:p>
@@ -1145,7 +1146,7 @@
           <a:p>
             <a:fld id="{05E93951-F40E-4A2D-AEE9-CDC3C3196AFF}" type="datetimeFigureOut">
               <a:rPr lang="es-ES" smtClean="0"/>
-              <a:t>31/05/2024</a:t>
+              <a:t>04/06/2024</a:t>
             </a:fld>
             <a:endParaRPr lang="es-ES"/>
           </a:p>
@@ -1410,7 +1411,7 @@
           <a:p>
             <a:fld id="{05E93951-F40E-4A2D-AEE9-CDC3C3196AFF}" type="datetimeFigureOut">
               <a:rPr lang="es-ES" smtClean="0"/>
-              <a:t>31/05/2024</a:t>
+              <a:t>04/06/2024</a:t>
             </a:fld>
             <a:endParaRPr lang="es-ES"/>
           </a:p>
@@ -1822,7 +1823,7 @@
           <a:p>
             <a:fld id="{05E93951-F40E-4A2D-AEE9-CDC3C3196AFF}" type="datetimeFigureOut">
               <a:rPr lang="es-ES" smtClean="0"/>
-              <a:t>31/05/2024</a:t>
+              <a:t>04/06/2024</a:t>
             </a:fld>
             <a:endParaRPr lang="es-ES"/>
           </a:p>
@@ -1963,7 +1964,7 @@
           <a:p>
             <a:fld id="{05E93951-F40E-4A2D-AEE9-CDC3C3196AFF}" type="datetimeFigureOut">
               <a:rPr lang="es-ES" smtClean="0"/>
-              <a:t>31/05/2024</a:t>
+              <a:t>04/06/2024</a:t>
             </a:fld>
             <a:endParaRPr lang="es-ES"/>
           </a:p>
@@ -2076,7 +2077,7 @@
           <a:p>
             <a:fld id="{05E93951-F40E-4A2D-AEE9-CDC3C3196AFF}" type="datetimeFigureOut">
               <a:rPr lang="es-ES" smtClean="0"/>
-              <a:t>31/05/2024</a:t>
+              <a:t>04/06/2024</a:t>
             </a:fld>
             <a:endParaRPr lang="es-ES"/>
           </a:p>
@@ -2387,7 +2388,7 @@
           <a:p>
             <a:fld id="{05E93951-F40E-4A2D-AEE9-CDC3C3196AFF}" type="datetimeFigureOut">
               <a:rPr lang="es-ES" smtClean="0"/>
-              <a:t>31/05/2024</a:t>
+              <a:t>04/06/2024</a:t>
             </a:fld>
             <a:endParaRPr lang="es-ES"/>
           </a:p>
@@ -2675,7 +2676,7 @@
           <a:p>
             <a:fld id="{05E93951-F40E-4A2D-AEE9-CDC3C3196AFF}" type="datetimeFigureOut">
               <a:rPr lang="es-ES" smtClean="0"/>
-              <a:t>31/05/2024</a:t>
+              <a:t>04/06/2024</a:t>
             </a:fld>
             <a:endParaRPr lang="es-ES"/>
           </a:p>
@@ -2916,7 +2917,7 @@
           <a:p>
             <a:fld id="{05E93951-F40E-4A2D-AEE9-CDC3C3196AFF}" type="datetimeFigureOut">
               <a:rPr lang="es-ES" smtClean="0"/>
-              <a:t>31/05/2024</a:t>
+              <a:t>04/06/2024</a:t>
             </a:fld>
             <a:endParaRPr lang="es-ES"/>
           </a:p>
@@ -4746,6 +4747,222 @@
 </p:sld>
 </file>
 
+<file path=ppt/slides/slide9.xml><?xml version="1.0" encoding="utf-8"?>
+<p:sld xmlns:a="http://schemas.openxmlformats.org/drawingml/2006/main" xmlns:r="http://schemas.openxmlformats.org/officeDocument/2006/relationships" xmlns:p="http://schemas.openxmlformats.org/presentationml/2006/main">
+  <p:cSld>
+    <p:spTree>
+      <p:nvGrpSpPr>
+        <p:cNvPr id="1" name=""/>
+        <p:cNvGrpSpPr/>
+        <p:nvPr/>
+      </p:nvGrpSpPr>
+      <p:grpSpPr>
+        <a:xfrm>
+          <a:off x="0" y="0"/>
+          <a:ext cx="0" cy="0"/>
+          <a:chOff x="0" y="0"/>
+          <a:chExt cx="0" cy="0"/>
+        </a:xfrm>
+      </p:grpSpPr>
+      <p:sp>
+        <p:nvSpPr>
+          <p:cNvPr id="4" name="Rectángulo 3">
+            <a:extLst>
+              <a:ext uri="{FF2B5EF4-FFF2-40B4-BE49-F238E27FC236}">
+                <a16:creationId xmlns:a16="http://schemas.microsoft.com/office/drawing/2014/main" id="{8EFDB355-27DA-0002-9E99-6510DD170631}"/>
+              </a:ext>
+            </a:extLst>
+          </p:cNvPr>
+          <p:cNvSpPr/>
+          <p:nvPr/>
+        </p:nvSpPr>
+        <p:spPr>
+          <a:xfrm>
+            <a:off x="0" y="0"/>
+            <a:ext cx="6783355" cy="6858000"/>
+          </a:xfrm>
+          <a:prstGeom prst="rect">
+            <a:avLst/>
+          </a:prstGeom>
+          <a:solidFill>
+            <a:schemeClr val="accent6">
+              <a:lumMod val="75000"/>
+            </a:schemeClr>
+          </a:solidFill>
+          <a:ln>
+            <a:solidFill>
+              <a:schemeClr val="accent2">
+                <a:lumMod val="75000"/>
+              </a:schemeClr>
+            </a:solidFill>
+          </a:ln>
+        </p:spPr>
+        <p:style>
+          <a:lnRef idx="2">
+            <a:schemeClr val="accent1">
+              <a:shade val="15000"/>
+            </a:schemeClr>
+          </a:lnRef>
+          <a:fillRef idx="1">
+            <a:schemeClr val="accent1"/>
+          </a:fillRef>
+          <a:effectRef idx="0">
+            <a:schemeClr val="accent1"/>
+          </a:effectRef>
+          <a:fontRef idx="minor">
+            <a:schemeClr val="lt1"/>
+          </a:fontRef>
+        </p:style>
+        <p:txBody>
+          <a:bodyPr rtlCol="0" anchor="ctr"/>
+          <a:lstStyle/>
+          <a:p>
+            <a:pPr algn="ctr"/>
+            <a:r>
+              <a:rPr lang="es-MX" sz="6600" b="1" dirty="0"/>
+              <a:t>Introducción </a:t>
+            </a:r>
+          </a:p>
+          <a:p>
+            <a:pPr algn="ctr"/>
+            <a:r>
+              <a:rPr lang="es-MX" sz="6600" b="1" dirty="0" err="1"/>
+              <a:t>BigData</a:t>
+            </a:r>
+            <a:endParaRPr lang="es-ES" sz="6600" b="1" dirty="0"/>
+          </a:p>
+        </p:txBody>
+      </p:sp>
+      <p:sp>
+        <p:nvSpPr>
+          <p:cNvPr id="2" name="AutoShape 2" descr="icon_kmeans">
+            <a:extLst>
+              <a:ext uri="{FF2B5EF4-FFF2-40B4-BE49-F238E27FC236}">
+                <a16:creationId xmlns:a16="http://schemas.microsoft.com/office/drawing/2014/main" id="{584BB198-0B28-0510-93F2-28AD6D3F349A}"/>
+              </a:ext>
+            </a:extLst>
+          </p:cNvPr>
+          <p:cNvSpPr>
+            <a:spLocks noChangeAspect="1" noChangeArrowheads="1"/>
+          </p:cNvSpPr>
+          <p:nvPr/>
+        </p:nvSpPr>
+        <p:spPr bwMode="auto">
+          <a:xfrm>
+            <a:off x="5943600" y="3276600"/>
+            <a:ext cx="304800" cy="304800"/>
+          </a:xfrm>
+          <a:prstGeom prst="rect">
+            <a:avLst/>
+          </a:prstGeom>
+          <a:noFill/>
+          <a:extLst>
+            <a:ext uri="{909E8E84-426E-40DD-AFC4-6F175D3DCCD1}">
+              <a14:hiddenFill xmlns:a14="http://schemas.microsoft.com/office/drawing/2010/main">
+                <a:solidFill>
+                  <a:srgbClr val="FFFFFF"/>
+                </a:solidFill>
+              </a14:hiddenFill>
+            </a:ext>
+          </a:extLst>
+        </p:spPr>
+        <p:txBody>
+          <a:bodyPr vert="horz" wrap="square" lIns="91440" tIns="45720" rIns="91440" bIns="45720" numCol="1" anchor="t" anchorCtr="0" compatLnSpc="1">
+            <a:prstTxWarp prst="textNoShape">
+              <a:avLst/>
+            </a:prstTxWarp>
+          </a:bodyPr>
+          <a:lstStyle/>
+          <a:p>
+            <a:endParaRPr lang="es-ES"/>
+          </a:p>
+        </p:txBody>
+      </p:sp>
+      <p:pic>
+        <p:nvPicPr>
+          <p:cNvPr id="5" name="Imagen 4" descr="Icono&#10;&#10;Descripción generada automáticamente">
+            <a:extLst>
+              <a:ext uri="{FF2B5EF4-FFF2-40B4-BE49-F238E27FC236}">
+                <a16:creationId xmlns:a16="http://schemas.microsoft.com/office/drawing/2014/main" id="{89C60995-6B9C-BCF9-72E9-D808A815A776}"/>
+              </a:ext>
+            </a:extLst>
+          </p:cNvPr>
+          <p:cNvPicPr>
+            <a:picLocks noChangeAspect="1"/>
+          </p:cNvPicPr>
+          <p:nvPr/>
+        </p:nvPicPr>
+        <p:blipFill>
+          <a:blip r:embed="rId2">
+            <a:extLst>
+              <a:ext uri="{28A0092B-C50C-407E-A947-70E740481C1C}">
+                <a14:useLocalDpi xmlns:a14="http://schemas.microsoft.com/office/drawing/2010/main" val="0"/>
+              </a:ext>
+            </a:extLst>
+          </a:blip>
+          <a:stretch>
+            <a:fillRect/>
+          </a:stretch>
+        </p:blipFill>
+        <p:spPr>
+          <a:xfrm>
+            <a:off x="8280000" y="3600000"/>
+            <a:ext cx="2160000" cy="2160000"/>
+          </a:xfrm>
+          <a:prstGeom prst="rect">
+            <a:avLst/>
+          </a:prstGeom>
+        </p:spPr>
+      </p:pic>
+      <p:pic>
+        <p:nvPicPr>
+          <p:cNvPr id="8" name="Imagen 7" descr="Imagen que contiene Código QR&#10;&#10;Descripción generada automáticamente">
+            <a:extLst>
+              <a:ext uri="{FF2B5EF4-FFF2-40B4-BE49-F238E27FC236}">
+                <a16:creationId xmlns:a16="http://schemas.microsoft.com/office/drawing/2014/main" id="{9CD20F0E-A2F2-E2FC-5C2D-CB1A9696AE7B}"/>
+              </a:ext>
+            </a:extLst>
+          </p:cNvPr>
+          <p:cNvPicPr>
+            <a:picLocks noChangeAspect="1"/>
+          </p:cNvPicPr>
+          <p:nvPr/>
+        </p:nvPicPr>
+        <p:blipFill>
+          <a:blip r:embed="rId3">
+            <a:extLst>
+              <a:ext uri="{28A0092B-C50C-407E-A947-70E740481C1C}">
+                <a14:useLocalDpi xmlns:a14="http://schemas.microsoft.com/office/drawing/2010/main" val="0"/>
+              </a:ext>
+            </a:extLst>
+          </a:blip>
+          <a:stretch>
+            <a:fillRect/>
+          </a:stretch>
+        </p:blipFill>
+        <p:spPr>
+          <a:xfrm>
+            <a:off x="8280000" y="1080000"/>
+            <a:ext cx="2160000" cy="2160000"/>
+          </a:xfrm>
+          <a:prstGeom prst="rect">
+            <a:avLst/>
+          </a:prstGeom>
+        </p:spPr>
+      </p:pic>
+    </p:spTree>
+    <p:extLst>
+      <p:ext uri="{BB962C8B-B14F-4D97-AF65-F5344CB8AC3E}">
+        <p14:creationId xmlns:p14="http://schemas.microsoft.com/office/powerpoint/2010/main" val="620451960"/>
+      </p:ext>
+    </p:extLst>
+  </p:cSld>
+  <p:clrMapOvr>
+    <a:masterClrMapping/>
+  </p:clrMapOvr>
+</p:sld>
+</file>
+
 <file path=ppt/theme/theme1.xml><?xml version="1.0" encoding="utf-8"?>
 <a:theme xmlns:a="http://schemas.openxmlformats.org/drawingml/2006/main" name="Tema de Office">
   <a:themeElements>

--- a/Imagenes/presentacion_iconos.pptx
+++ b/Imagenes/presentacion_iconos.pptx
@@ -14,6 +14,7 @@
     <p:sldId id="262" r:id="rId8"/>
     <p:sldId id="263" r:id="rId9"/>
     <p:sldId id="264" r:id="rId10"/>
+    <p:sldId id="265" r:id="rId11"/>
   </p:sldIdLst>
   <p:sldSz cx="12192000" cy="6858000"/>
   <p:notesSz cx="6858000" cy="9144000"/>
@@ -267,7 +268,7 @@
           <a:p>
             <a:fld id="{05E93951-F40E-4A2D-AEE9-CDC3C3196AFF}" type="datetimeFigureOut">
               <a:rPr lang="es-ES" smtClean="0"/>
-              <a:t>04/06/2024</a:t>
+              <a:t>05/06/2024</a:t>
             </a:fld>
             <a:endParaRPr lang="es-ES"/>
           </a:p>
@@ -465,7 +466,7 @@
           <a:p>
             <a:fld id="{05E93951-F40E-4A2D-AEE9-CDC3C3196AFF}" type="datetimeFigureOut">
               <a:rPr lang="es-ES" smtClean="0"/>
-              <a:t>04/06/2024</a:t>
+              <a:t>05/06/2024</a:t>
             </a:fld>
             <a:endParaRPr lang="es-ES"/>
           </a:p>
@@ -673,7 +674,7 @@
           <a:p>
             <a:fld id="{05E93951-F40E-4A2D-AEE9-CDC3C3196AFF}" type="datetimeFigureOut">
               <a:rPr lang="es-ES" smtClean="0"/>
-              <a:t>04/06/2024</a:t>
+              <a:t>05/06/2024</a:t>
             </a:fld>
             <a:endParaRPr lang="es-ES"/>
           </a:p>
@@ -871,7 +872,7 @@
           <a:p>
             <a:fld id="{05E93951-F40E-4A2D-AEE9-CDC3C3196AFF}" type="datetimeFigureOut">
               <a:rPr lang="es-ES" smtClean="0"/>
-              <a:t>04/06/2024</a:t>
+              <a:t>05/06/2024</a:t>
             </a:fld>
             <a:endParaRPr lang="es-ES"/>
           </a:p>
@@ -1146,7 +1147,7 @@
           <a:p>
             <a:fld id="{05E93951-F40E-4A2D-AEE9-CDC3C3196AFF}" type="datetimeFigureOut">
               <a:rPr lang="es-ES" smtClean="0"/>
-              <a:t>04/06/2024</a:t>
+              <a:t>05/06/2024</a:t>
             </a:fld>
             <a:endParaRPr lang="es-ES"/>
           </a:p>
@@ -1411,7 +1412,7 @@
           <a:p>
             <a:fld id="{05E93951-F40E-4A2D-AEE9-CDC3C3196AFF}" type="datetimeFigureOut">
               <a:rPr lang="es-ES" smtClean="0"/>
-              <a:t>04/06/2024</a:t>
+              <a:t>05/06/2024</a:t>
             </a:fld>
             <a:endParaRPr lang="es-ES"/>
           </a:p>
@@ -1823,7 +1824,7 @@
           <a:p>
             <a:fld id="{05E93951-F40E-4A2D-AEE9-CDC3C3196AFF}" type="datetimeFigureOut">
               <a:rPr lang="es-ES" smtClean="0"/>
-              <a:t>04/06/2024</a:t>
+              <a:t>05/06/2024</a:t>
             </a:fld>
             <a:endParaRPr lang="es-ES"/>
           </a:p>
@@ -1964,7 +1965,7 @@
           <a:p>
             <a:fld id="{05E93951-F40E-4A2D-AEE9-CDC3C3196AFF}" type="datetimeFigureOut">
               <a:rPr lang="es-ES" smtClean="0"/>
-              <a:t>04/06/2024</a:t>
+              <a:t>05/06/2024</a:t>
             </a:fld>
             <a:endParaRPr lang="es-ES"/>
           </a:p>
@@ -2077,7 +2078,7 @@
           <a:p>
             <a:fld id="{05E93951-F40E-4A2D-AEE9-CDC3C3196AFF}" type="datetimeFigureOut">
               <a:rPr lang="es-ES" smtClean="0"/>
-              <a:t>04/06/2024</a:t>
+              <a:t>05/06/2024</a:t>
             </a:fld>
             <a:endParaRPr lang="es-ES"/>
           </a:p>
@@ -2388,7 +2389,7 @@
           <a:p>
             <a:fld id="{05E93951-F40E-4A2D-AEE9-CDC3C3196AFF}" type="datetimeFigureOut">
               <a:rPr lang="es-ES" smtClean="0"/>
-              <a:t>04/06/2024</a:t>
+              <a:t>05/06/2024</a:t>
             </a:fld>
             <a:endParaRPr lang="es-ES"/>
           </a:p>
@@ -2676,7 +2677,7 @@
           <a:p>
             <a:fld id="{05E93951-F40E-4A2D-AEE9-CDC3C3196AFF}" type="datetimeFigureOut">
               <a:rPr lang="es-ES" smtClean="0"/>
-              <a:t>04/06/2024</a:t>
+              <a:t>05/06/2024</a:t>
             </a:fld>
             <a:endParaRPr lang="es-ES"/>
           </a:p>
@@ -2917,7 +2918,7 @@
           <a:p>
             <a:fld id="{05E93951-F40E-4A2D-AEE9-CDC3C3196AFF}" type="datetimeFigureOut">
               <a:rPr lang="es-ES" smtClean="0"/>
-              <a:t>04/06/2024</a:t>
+              <a:t>05/06/2024</a:t>
             </a:fld>
             <a:endParaRPr lang="es-ES"/>
           </a:p>
@@ -3487,6 +3488,231 @@
 </p:sld>
 </file>
 
+<file path=ppt/slides/slide10.xml><?xml version="1.0" encoding="utf-8"?>
+<p:sld xmlns:a="http://schemas.openxmlformats.org/drawingml/2006/main" xmlns:r="http://schemas.openxmlformats.org/officeDocument/2006/relationships" xmlns:p="http://schemas.openxmlformats.org/presentationml/2006/main">
+  <p:cSld>
+    <p:spTree>
+      <p:nvGrpSpPr>
+        <p:cNvPr id="1" name=""/>
+        <p:cNvGrpSpPr/>
+        <p:nvPr/>
+      </p:nvGrpSpPr>
+      <p:grpSpPr>
+        <a:xfrm>
+          <a:off x="0" y="0"/>
+          <a:ext cx="0" cy="0"/>
+          <a:chOff x="0" y="0"/>
+          <a:chExt cx="0" cy="0"/>
+        </a:xfrm>
+      </p:grpSpPr>
+      <p:sp>
+        <p:nvSpPr>
+          <p:cNvPr id="4" name="Rectángulo 3">
+            <a:extLst>
+              <a:ext uri="{FF2B5EF4-FFF2-40B4-BE49-F238E27FC236}">
+                <a16:creationId xmlns:a16="http://schemas.microsoft.com/office/drawing/2014/main" id="{8EFDB355-27DA-0002-9E99-6510DD170631}"/>
+              </a:ext>
+            </a:extLst>
+          </p:cNvPr>
+          <p:cNvSpPr/>
+          <p:nvPr/>
+        </p:nvSpPr>
+        <p:spPr>
+          <a:xfrm>
+            <a:off x="0" y="0"/>
+            <a:ext cx="6783355" cy="6858000"/>
+          </a:xfrm>
+          <a:prstGeom prst="rect">
+            <a:avLst/>
+          </a:prstGeom>
+          <a:solidFill>
+            <a:schemeClr val="accent6">
+              <a:lumMod val="75000"/>
+            </a:schemeClr>
+          </a:solidFill>
+          <a:ln>
+            <a:solidFill>
+              <a:schemeClr val="accent2">
+                <a:lumMod val="75000"/>
+              </a:schemeClr>
+            </a:solidFill>
+          </a:ln>
+        </p:spPr>
+        <p:style>
+          <a:lnRef idx="2">
+            <a:schemeClr val="accent1">
+              <a:shade val="15000"/>
+            </a:schemeClr>
+          </a:lnRef>
+          <a:fillRef idx="1">
+            <a:schemeClr val="accent1"/>
+          </a:fillRef>
+          <a:effectRef idx="0">
+            <a:schemeClr val="accent1"/>
+          </a:effectRef>
+          <a:fontRef idx="minor">
+            <a:schemeClr val="lt1"/>
+          </a:fontRef>
+        </p:style>
+        <p:txBody>
+          <a:bodyPr rtlCol="0" anchor="ctr"/>
+          <a:lstStyle/>
+          <a:p>
+            <a:pPr algn="ctr"/>
+            <a:r>
+              <a:rPr lang="es-MX" sz="6600" b="1" dirty="0"/>
+              <a:t>Medium </a:t>
+            </a:r>
+          </a:p>
+          <a:p>
+            <a:pPr algn="ctr"/>
+            <a:r>
+              <a:rPr lang="es-MX" sz="6600" b="1" dirty="0"/>
+              <a:t>Data</a:t>
+            </a:r>
+            <a:endParaRPr lang="es-ES" sz="6600" b="1" dirty="0"/>
+          </a:p>
+        </p:txBody>
+      </p:sp>
+      <p:sp>
+        <p:nvSpPr>
+          <p:cNvPr id="2" name="AutoShape 2" descr="icon_kmeans">
+            <a:extLst>
+              <a:ext uri="{FF2B5EF4-FFF2-40B4-BE49-F238E27FC236}">
+                <a16:creationId xmlns:a16="http://schemas.microsoft.com/office/drawing/2014/main" id="{584BB198-0B28-0510-93F2-28AD6D3F349A}"/>
+              </a:ext>
+            </a:extLst>
+          </p:cNvPr>
+          <p:cNvSpPr>
+            <a:spLocks noChangeAspect="1" noChangeArrowheads="1"/>
+          </p:cNvSpPr>
+          <p:nvPr/>
+        </p:nvSpPr>
+        <p:spPr bwMode="auto">
+          <a:xfrm>
+            <a:off x="5943600" y="3276600"/>
+            <a:ext cx="304800" cy="304800"/>
+          </a:xfrm>
+          <a:prstGeom prst="rect">
+            <a:avLst/>
+          </a:prstGeom>
+          <a:noFill/>
+          <a:extLst>
+            <a:ext uri="{909E8E84-426E-40DD-AFC4-6F175D3DCCD1}">
+              <a14:hiddenFill xmlns:a14="http://schemas.microsoft.com/office/drawing/2010/main">
+                <a:solidFill>
+                  <a:srgbClr val="FFFFFF"/>
+                </a:solidFill>
+              </a14:hiddenFill>
+            </a:ext>
+          </a:extLst>
+        </p:spPr>
+        <p:txBody>
+          <a:bodyPr vert="horz" wrap="square" lIns="91440" tIns="45720" rIns="91440" bIns="45720" numCol="1" anchor="t" anchorCtr="0" compatLnSpc="1">
+            <a:prstTxWarp prst="textNoShape">
+              <a:avLst/>
+            </a:prstTxWarp>
+          </a:bodyPr>
+          <a:lstStyle/>
+          <a:p>
+            <a:endParaRPr lang="es-ES"/>
+          </a:p>
+        </p:txBody>
+      </p:sp>
+      <p:pic>
+        <p:nvPicPr>
+          <p:cNvPr id="6" name="Imagen 5" descr="Imagen que contiene Icono&#10;&#10;Descripción generada automáticamente">
+            <a:extLst>
+              <a:ext uri="{FF2B5EF4-FFF2-40B4-BE49-F238E27FC236}">
+                <a16:creationId xmlns:a16="http://schemas.microsoft.com/office/drawing/2014/main" id="{23D815A9-23AC-CB2E-25F5-996EEF1D06AF}"/>
+              </a:ext>
+            </a:extLst>
+          </p:cNvPr>
+          <p:cNvPicPr>
+            <a:picLocks noChangeAspect="1"/>
+          </p:cNvPicPr>
+          <p:nvPr/>
+        </p:nvPicPr>
+        <p:blipFill>
+          <a:blip r:embed="rId2">
+            <a:extLst>
+              <a:ext uri="{28A0092B-C50C-407E-A947-70E740481C1C}">
+                <a14:useLocalDpi xmlns:a14="http://schemas.microsoft.com/office/drawing/2010/main" val="0"/>
+              </a:ext>
+            </a:extLst>
+          </a:blip>
+          <a:stretch>
+            <a:fillRect/>
+          </a:stretch>
+        </p:blipFill>
+        <p:spPr>
+          <a:xfrm>
+            <a:off x="8280000" y="3600000"/>
+            <a:ext cx="2160000" cy="2160000"/>
+          </a:xfrm>
+          <a:prstGeom prst="rect">
+            <a:avLst/>
+          </a:prstGeom>
+        </p:spPr>
+      </p:pic>
+      <p:pic>
+        <p:nvPicPr>
+          <p:cNvPr id="1026" name="Picture 2">
+            <a:extLst>
+              <a:ext uri="{FF2B5EF4-FFF2-40B4-BE49-F238E27FC236}">
+                <a16:creationId xmlns:a16="http://schemas.microsoft.com/office/drawing/2014/main" id="{250F01F0-BFF9-AE61-4CE7-771AFDB767B8}"/>
+              </a:ext>
+            </a:extLst>
+          </p:cNvPr>
+          <p:cNvPicPr>
+            <a:picLocks noChangeAspect="1" noChangeArrowheads="1"/>
+          </p:cNvPicPr>
+          <p:nvPr/>
+        </p:nvPicPr>
+        <p:blipFill rotWithShape="1">
+          <a:blip r:embed="rId3">
+            <a:extLst>
+              <a:ext uri="{28A0092B-C50C-407E-A947-70E740481C1C}">
+                <a14:useLocalDpi xmlns:a14="http://schemas.microsoft.com/office/drawing/2010/main" val="0"/>
+              </a:ext>
+            </a:extLst>
+          </a:blip>
+          <a:srcRect b="7504"/>
+          <a:stretch/>
+        </p:blipFill>
+        <p:spPr bwMode="auto">
+          <a:xfrm>
+            <a:off x="8280000" y="1080000"/>
+            <a:ext cx="2000000" cy="1997917"/>
+          </a:xfrm>
+          <a:prstGeom prst="rect">
+            <a:avLst/>
+          </a:prstGeom>
+          <a:noFill/>
+          <a:extLst>
+            <a:ext uri="{909E8E84-426E-40DD-AFC4-6F175D3DCCD1}">
+              <a14:hiddenFill xmlns:a14="http://schemas.microsoft.com/office/drawing/2010/main">
+                <a:solidFill>
+                  <a:srgbClr val="FFFFFF"/>
+                </a:solidFill>
+              </a14:hiddenFill>
+            </a:ext>
+          </a:extLst>
+        </p:spPr>
+      </p:pic>
+    </p:spTree>
+    <p:extLst>
+      <p:ext uri="{BB962C8B-B14F-4D97-AF65-F5344CB8AC3E}">
+        <p14:creationId xmlns:p14="http://schemas.microsoft.com/office/powerpoint/2010/main" val="745181808"/>
+      </p:ext>
+    </p:extLst>
+  </p:cSld>
+  <p:clrMapOvr>
+    <a:masterClrMapping/>
+  </p:clrMapOvr>
+</p:sld>
+</file>
+
 <file path=ppt/slides/slide2.xml><?xml version="1.0" encoding="utf-8"?>
 <p:sld xmlns:a="http://schemas.openxmlformats.org/drawingml/2006/main" xmlns:r="http://schemas.openxmlformats.org/officeDocument/2006/relationships" xmlns:p="http://schemas.openxmlformats.org/presentationml/2006/main">
   <p:cSld>

--- a/Imagenes/presentacion_iconos.pptx
+++ b/Imagenes/presentacion_iconos.pptx
@@ -15,6 +15,7 @@
     <p:sldId id="263" r:id="rId9"/>
     <p:sldId id="264" r:id="rId10"/>
     <p:sldId id="265" r:id="rId11"/>
+    <p:sldId id="266" r:id="rId12"/>
   </p:sldIdLst>
   <p:sldSz cx="12192000" cy="6858000"/>
   <p:notesSz cx="6858000" cy="9144000"/>
@@ -268,7 +269,7 @@
           <a:p>
             <a:fld id="{05E93951-F40E-4A2D-AEE9-CDC3C3196AFF}" type="datetimeFigureOut">
               <a:rPr lang="es-ES" smtClean="0"/>
-              <a:t>05/06/2024</a:t>
+              <a:t>07/06/2024</a:t>
             </a:fld>
             <a:endParaRPr lang="es-ES"/>
           </a:p>
@@ -466,7 +467,7 @@
           <a:p>
             <a:fld id="{05E93951-F40E-4A2D-AEE9-CDC3C3196AFF}" type="datetimeFigureOut">
               <a:rPr lang="es-ES" smtClean="0"/>
-              <a:t>05/06/2024</a:t>
+              <a:t>07/06/2024</a:t>
             </a:fld>
             <a:endParaRPr lang="es-ES"/>
           </a:p>
@@ -674,7 +675,7 @@
           <a:p>
             <a:fld id="{05E93951-F40E-4A2D-AEE9-CDC3C3196AFF}" type="datetimeFigureOut">
               <a:rPr lang="es-ES" smtClean="0"/>
-              <a:t>05/06/2024</a:t>
+              <a:t>07/06/2024</a:t>
             </a:fld>
             <a:endParaRPr lang="es-ES"/>
           </a:p>
@@ -872,7 +873,7 @@
           <a:p>
             <a:fld id="{05E93951-F40E-4A2D-AEE9-CDC3C3196AFF}" type="datetimeFigureOut">
               <a:rPr lang="es-ES" smtClean="0"/>
-              <a:t>05/06/2024</a:t>
+              <a:t>07/06/2024</a:t>
             </a:fld>
             <a:endParaRPr lang="es-ES"/>
           </a:p>
@@ -1147,7 +1148,7 @@
           <a:p>
             <a:fld id="{05E93951-F40E-4A2D-AEE9-CDC3C3196AFF}" type="datetimeFigureOut">
               <a:rPr lang="es-ES" smtClean="0"/>
-              <a:t>05/06/2024</a:t>
+              <a:t>07/06/2024</a:t>
             </a:fld>
             <a:endParaRPr lang="es-ES"/>
           </a:p>
@@ -1412,7 +1413,7 @@
           <a:p>
             <a:fld id="{05E93951-F40E-4A2D-AEE9-CDC3C3196AFF}" type="datetimeFigureOut">
               <a:rPr lang="es-ES" smtClean="0"/>
-              <a:t>05/06/2024</a:t>
+              <a:t>07/06/2024</a:t>
             </a:fld>
             <a:endParaRPr lang="es-ES"/>
           </a:p>
@@ -1824,7 +1825,7 @@
           <a:p>
             <a:fld id="{05E93951-F40E-4A2D-AEE9-CDC3C3196AFF}" type="datetimeFigureOut">
               <a:rPr lang="es-ES" smtClean="0"/>
-              <a:t>05/06/2024</a:t>
+              <a:t>07/06/2024</a:t>
             </a:fld>
             <a:endParaRPr lang="es-ES"/>
           </a:p>
@@ -1965,7 +1966,7 @@
           <a:p>
             <a:fld id="{05E93951-F40E-4A2D-AEE9-CDC3C3196AFF}" type="datetimeFigureOut">
               <a:rPr lang="es-ES" smtClean="0"/>
-              <a:t>05/06/2024</a:t>
+              <a:t>07/06/2024</a:t>
             </a:fld>
             <a:endParaRPr lang="es-ES"/>
           </a:p>
@@ -2078,7 +2079,7 @@
           <a:p>
             <a:fld id="{05E93951-F40E-4A2D-AEE9-CDC3C3196AFF}" type="datetimeFigureOut">
               <a:rPr lang="es-ES" smtClean="0"/>
-              <a:t>05/06/2024</a:t>
+              <a:t>07/06/2024</a:t>
             </a:fld>
             <a:endParaRPr lang="es-ES"/>
           </a:p>
@@ -2389,7 +2390,7 @@
           <a:p>
             <a:fld id="{05E93951-F40E-4A2D-AEE9-CDC3C3196AFF}" type="datetimeFigureOut">
               <a:rPr lang="es-ES" smtClean="0"/>
-              <a:t>05/06/2024</a:t>
+              <a:t>07/06/2024</a:t>
             </a:fld>
             <a:endParaRPr lang="es-ES"/>
           </a:p>
@@ -2677,7 +2678,7 @@
           <a:p>
             <a:fld id="{05E93951-F40E-4A2D-AEE9-CDC3C3196AFF}" type="datetimeFigureOut">
               <a:rPr lang="es-ES" smtClean="0"/>
-              <a:t>05/06/2024</a:t>
+              <a:t>07/06/2024</a:t>
             </a:fld>
             <a:endParaRPr lang="es-ES"/>
           </a:p>
@@ -2918,7 +2919,7 @@
           <a:p>
             <a:fld id="{05E93951-F40E-4A2D-AEE9-CDC3C3196AFF}" type="datetimeFigureOut">
               <a:rPr lang="es-ES" smtClean="0"/>
-              <a:t>05/06/2024</a:t>
+              <a:t>07/06/2024</a:t>
             </a:fld>
             <a:endParaRPr lang="es-ES"/>
           </a:p>
@@ -3713,6 +3714,226 @@
 </p:sld>
 </file>
 
+<file path=ppt/slides/slide11.xml><?xml version="1.0" encoding="utf-8"?>
+<p:sld xmlns:a="http://schemas.openxmlformats.org/drawingml/2006/main" xmlns:r="http://schemas.openxmlformats.org/officeDocument/2006/relationships" xmlns:p="http://schemas.openxmlformats.org/presentationml/2006/main">
+  <p:cSld>
+    <p:spTree>
+      <p:nvGrpSpPr>
+        <p:cNvPr id="1" name=""/>
+        <p:cNvGrpSpPr/>
+        <p:nvPr/>
+      </p:nvGrpSpPr>
+      <p:grpSpPr>
+        <a:xfrm>
+          <a:off x="0" y="0"/>
+          <a:ext cx="0" cy="0"/>
+          <a:chOff x="0" y="0"/>
+          <a:chExt cx="0" cy="0"/>
+        </a:xfrm>
+      </p:grpSpPr>
+      <p:sp>
+        <p:nvSpPr>
+          <p:cNvPr id="4" name="Rectángulo 3">
+            <a:extLst>
+              <a:ext uri="{FF2B5EF4-FFF2-40B4-BE49-F238E27FC236}">
+                <a16:creationId xmlns:a16="http://schemas.microsoft.com/office/drawing/2014/main" id="{8EFDB355-27DA-0002-9E99-6510DD170631}"/>
+              </a:ext>
+            </a:extLst>
+          </p:cNvPr>
+          <p:cNvSpPr/>
+          <p:nvPr/>
+        </p:nvSpPr>
+        <p:spPr>
+          <a:xfrm>
+            <a:off x="0" y="0"/>
+            <a:ext cx="6783355" cy="6858000"/>
+          </a:xfrm>
+          <a:prstGeom prst="rect">
+            <a:avLst/>
+          </a:prstGeom>
+          <a:solidFill>
+            <a:schemeClr val="accent6">
+              <a:lumMod val="75000"/>
+            </a:schemeClr>
+          </a:solidFill>
+          <a:ln>
+            <a:solidFill>
+              <a:schemeClr val="accent2">
+                <a:lumMod val="75000"/>
+              </a:schemeClr>
+            </a:solidFill>
+          </a:ln>
+        </p:spPr>
+        <p:style>
+          <a:lnRef idx="2">
+            <a:schemeClr val="accent1">
+              <a:shade val="15000"/>
+            </a:schemeClr>
+          </a:lnRef>
+          <a:fillRef idx="1">
+            <a:schemeClr val="accent1"/>
+          </a:fillRef>
+          <a:effectRef idx="0">
+            <a:schemeClr val="accent1"/>
+          </a:effectRef>
+          <a:fontRef idx="minor">
+            <a:schemeClr val="lt1"/>
+          </a:fontRef>
+        </p:style>
+        <p:txBody>
+          <a:bodyPr rtlCol="0" anchor="ctr"/>
+          <a:lstStyle/>
+          <a:p>
+            <a:pPr algn="ctr"/>
+            <a:r>
+              <a:rPr lang="es-MX" sz="6600" b="1" dirty="0" err="1"/>
+              <a:t>Multiprocessing</a:t>
+            </a:r>
+            <a:r>
+              <a:rPr lang="es-MX" sz="6600" b="1" dirty="0"/>
+              <a:t> </a:t>
+            </a:r>
+          </a:p>
+          <a:p>
+            <a:pPr algn="ctr"/>
+            <a:r>
+              <a:rPr lang="es-MX" sz="6600" b="1" dirty="0"/>
+              <a:t>Y algo más</a:t>
+            </a:r>
+            <a:endParaRPr lang="es-ES" sz="6600" b="1" dirty="0"/>
+          </a:p>
+        </p:txBody>
+      </p:sp>
+      <p:sp>
+        <p:nvSpPr>
+          <p:cNvPr id="2" name="AutoShape 2" descr="icon_kmeans">
+            <a:extLst>
+              <a:ext uri="{FF2B5EF4-FFF2-40B4-BE49-F238E27FC236}">
+                <a16:creationId xmlns:a16="http://schemas.microsoft.com/office/drawing/2014/main" id="{584BB198-0B28-0510-93F2-28AD6D3F349A}"/>
+              </a:ext>
+            </a:extLst>
+          </p:cNvPr>
+          <p:cNvSpPr>
+            <a:spLocks noChangeAspect="1" noChangeArrowheads="1"/>
+          </p:cNvSpPr>
+          <p:nvPr/>
+        </p:nvSpPr>
+        <p:spPr bwMode="auto">
+          <a:xfrm>
+            <a:off x="5943600" y="3276600"/>
+            <a:ext cx="304800" cy="304800"/>
+          </a:xfrm>
+          <a:prstGeom prst="rect">
+            <a:avLst/>
+          </a:prstGeom>
+          <a:noFill/>
+          <a:extLst>
+            <a:ext uri="{909E8E84-426E-40DD-AFC4-6F175D3DCCD1}">
+              <a14:hiddenFill xmlns:a14="http://schemas.microsoft.com/office/drawing/2010/main">
+                <a:solidFill>
+                  <a:srgbClr val="FFFFFF"/>
+                </a:solidFill>
+              </a14:hiddenFill>
+            </a:ext>
+          </a:extLst>
+        </p:spPr>
+        <p:txBody>
+          <a:bodyPr vert="horz" wrap="square" lIns="91440" tIns="45720" rIns="91440" bIns="45720" numCol="1" anchor="t" anchorCtr="0" compatLnSpc="1">
+            <a:prstTxWarp prst="textNoShape">
+              <a:avLst/>
+            </a:prstTxWarp>
+          </a:bodyPr>
+          <a:lstStyle/>
+          <a:p>
+            <a:endParaRPr lang="es-ES"/>
+          </a:p>
+        </p:txBody>
+      </p:sp>
+      <p:pic>
+        <p:nvPicPr>
+          <p:cNvPr id="5" name="Imagen 4" descr="Icono&#10;&#10;Descripción generada automáticamente">
+            <a:extLst>
+              <a:ext uri="{FF2B5EF4-FFF2-40B4-BE49-F238E27FC236}">
+                <a16:creationId xmlns:a16="http://schemas.microsoft.com/office/drawing/2014/main" id="{494E434B-8E54-6EC6-350A-4FCF9FF33D7E}"/>
+              </a:ext>
+            </a:extLst>
+          </p:cNvPr>
+          <p:cNvPicPr>
+            <a:picLocks noChangeAspect="1"/>
+          </p:cNvPicPr>
+          <p:nvPr/>
+        </p:nvPicPr>
+        <p:blipFill>
+          <a:blip r:embed="rId2">
+            <a:extLst>
+              <a:ext uri="{28A0092B-C50C-407E-A947-70E740481C1C}">
+                <a14:useLocalDpi xmlns:a14="http://schemas.microsoft.com/office/drawing/2010/main" val="0"/>
+              </a:ext>
+            </a:extLst>
+          </a:blip>
+          <a:stretch>
+            <a:fillRect/>
+          </a:stretch>
+        </p:blipFill>
+        <p:spPr>
+          <a:xfrm>
+            <a:off x="8280000" y="3600000"/>
+            <a:ext cx="2160000" cy="2160000"/>
+          </a:xfrm>
+          <a:prstGeom prst="rect">
+            <a:avLst/>
+          </a:prstGeom>
+        </p:spPr>
+      </p:pic>
+      <p:pic>
+        <p:nvPicPr>
+          <p:cNvPr id="8" name="Imagen 7" descr="Imagen que contiene objeto, computadora, medidor&#10;&#10;Descripción generada automáticamente">
+            <a:extLst>
+              <a:ext uri="{FF2B5EF4-FFF2-40B4-BE49-F238E27FC236}">
+                <a16:creationId xmlns:a16="http://schemas.microsoft.com/office/drawing/2014/main" id="{01FE5318-E279-3524-4223-1557B20724AF}"/>
+              </a:ext>
+            </a:extLst>
+          </p:cNvPr>
+          <p:cNvPicPr>
+            <a:picLocks noChangeAspect="1"/>
+          </p:cNvPicPr>
+          <p:nvPr/>
+        </p:nvPicPr>
+        <p:blipFill>
+          <a:blip r:embed="rId3">
+            <a:extLst>
+              <a:ext uri="{28A0092B-C50C-407E-A947-70E740481C1C}">
+                <a14:useLocalDpi xmlns:a14="http://schemas.microsoft.com/office/drawing/2010/main" val="0"/>
+              </a:ext>
+            </a:extLst>
+          </a:blip>
+          <a:stretch>
+            <a:fillRect/>
+          </a:stretch>
+        </p:blipFill>
+        <p:spPr>
+          <a:xfrm>
+            <a:off x="8280000" y="1080000"/>
+            <a:ext cx="2160000" cy="2160000"/>
+          </a:xfrm>
+          <a:prstGeom prst="rect">
+            <a:avLst/>
+          </a:prstGeom>
+        </p:spPr>
+      </p:pic>
+    </p:spTree>
+    <p:extLst>
+      <p:ext uri="{BB962C8B-B14F-4D97-AF65-F5344CB8AC3E}">
+        <p14:creationId xmlns:p14="http://schemas.microsoft.com/office/powerpoint/2010/main" val="3996995906"/>
+      </p:ext>
+    </p:extLst>
+  </p:cSld>
+  <p:clrMapOvr>
+    <a:masterClrMapping/>
+  </p:clrMapOvr>
+</p:sld>
+</file>
+
 <file path=ppt/slides/slide2.xml><?xml version="1.0" encoding="utf-8"?>
 <p:sld xmlns:a="http://schemas.openxmlformats.org/drawingml/2006/main" xmlns:r="http://schemas.openxmlformats.org/officeDocument/2006/relationships" xmlns:p="http://schemas.openxmlformats.org/presentationml/2006/main">
   <p:cSld>

--- a/Imagenes/presentacion_iconos.pptx
+++ b/Imagenes/presentacion_iconos.pptx
@@ -16,6 +16,8 @@
     <p:sldId id="264" r:id="rId10"/>
     <p:sldId id="265" r:id="rId11"/>
     <p:sldId id="266" r:id="rId12"/>
+    <p:sldId id="267" r:id="rId13"/>
+    <p:sldId id="268" r:id="rId14"/>
   </p:sldIdLst>
   <p:sldSz cx="12192000" cy="6858000"/>
   <p:notesSz cx="6858000" cy="9144000"/>
@@ -269,7 +271,7 @@
           <a:p>
             <a:fld id="{05E93951-F40E-4A2D-AEE9-CDC3C3196AFF}" type="datetimeFigureOut">
               <a:rPr lang="es-ES" smtClean="0"/>
-              <a:t>07/06/2024</a:t>
+              <a:t>12/06/2024</a:t>
             </a:fld>
             <a:endParaRPr lang="es-ES"/>
           </a:p>
@@ -467,7 +469,7 @@
           <a:p>
             <a:fld id="{05E93951-F40E-4A2D-AEE9-CDC3C3196AFF}" type="datetimeFigureOut">
               <a:rPr lang="es-ES" smtClean="0"/>
-              <a:t>07/06/2024</a:t>
+              <a:t>12/06/2024</a:t>
             </a:fld>
             <a:endParaRPr lang="es-ES"/>
           </a:p>
@@ -675,7 +677,7 @@
           <a:p>
             <a:fld id="{05E93951-F40E-4A2D-AEE9-CDC3C3196AFF}" type="datetimeFigureOut">
               <a:rPr lang="es-ES" smtClean="0"/>
-              <a:t>07/06/2024</a:t>
+              <a:t>12/06/2024</a:t>
             </a:fld>
             <a:endParaRPr lang="es-ES"/>
           </a:p>
@@ -873,7 +875,7 @@
           <a:p>
             <a:fld id="{05E93951-F40E-4A2D-AEE9-CDC3C3196AFF}" type="datetimeFigureOut">
               <a:rPr lang="es-ES" smtClean="0"/>
-              <a:t>07/06/2024</a:t>
+              <a:t>12/06/2024</a:t>
             </a:fld>
             <a:endParaRPr lang="es-ES"/>
           </a:p>
@@ -1148,7 +1150,7 @@
           <a:p>
             <a:fld id="{05E93951-F40E-4A2D-AEE9-CDC3C3196AFF}" type="datetimeFigureOut">
               <a:rPr lang="es-ES" smtClean="0"/>
-              <a:t>07/06/2024</a:t>
+              <a:t>12/06/2024</a:t>
             </a:fld>
             <a:endParaRPr lang="es-ES"/>
           </a:p>
@@ -1413,7 +1415,7 @@
           <a:p>
             <a:fld id="{05E93951-F40E-4A2D-AEE9-CDC3C3196AFF}" type="datetimeFigureOut">
               <a:rPr lang="es-ES" smtClean="0"/>
-              <a:t>07/06/2024</a:t>
+              <a:t>12/06/2024</a:t>
             </a:fld>
             <a:endParaRPr lang="es-ES"/>
           </a:p>
@@ -1825,7 +1827,7 @@
           <a:p>
             <a:fld id="{05E93951-F40E-4A2D-AEE9-CDC3C3196AFF}" type="datetimeFigureOut">
               <a:rPr lang="es-ES" smtClean="0"/>
-              <a:t>07/06/2024</a:t>
+              <a:t>12/06/2024</a:t>
             </a:fld>
             <a:endParaRPr lang="es-ES"/>
           </a:p>
@@ -1966,7 +1968,7 @@
           <a:p>
             <a:fld id="{05E93951-F40E-4A2D-AEE9-CDC3C3196AFF}" type="datetimeFigureOut">
               <a:rPr lang="es-ES" smtClean="0"/>
-              <a:t>07/06/2024</a:t>
+              <a:t>12/06/2024</a:t>
             </a:fld>
             <a:endParaRPr lang="es-ES"/>
           </a:p>
@@ -2079,7 +2081,7 @@
           <a:p>
             <a:fld id="{05E93951-F40E-4A2D-AEE9-CDC3C3196AFF}" type="datetimeFigureOut">
               <a:rPr lang="es-ES" smtClean="0"/>
-              <a:t>07/06/2024</a:t>
+              <a:t>12/06/2024</a:t>
             </a:fld>
             <a:endParaRPr lang="es-ES"/>
           </a:p>
@@ -2390,7 +2392,7 @@
           <a:p>
             <a:fld id="{05E93951-F40E-4A2D-AEE9-CDC3C3196AFF}" type="datetimeFigureOut">
               <a:rPr lang="es-ES" smtClean="0"/>
-              <a:t>07/06/2024</a:t>
+              <a:t>12/06/2024</a:t>
             </a:fld>
             <a:endParaRPr lang="es-ES"/>
           </a:p>
@@ -2678,7 +2680,7 @@
           <a:p>
             <a:fld id="{05E93951-F40E-4A2D-AEE9-CDC3C3196AFF}" type="datetimeFigureOut">
               <a:rPr lang="es-ES" smtClean="0"/>
-              <a:t>07/06/2024</a:t>
+              <a:t>12/06/2024</a:t>
             </a:fld>
             <a:endParaRPr lang="es-ES"/>
           </a:p>
@@ -2919,7 +2921,7 @@
           <a:p>
             <a:fld id="{05E93951-F40E-4A2D-AEE9-CDC3C3196AFF}" type="datetimeFigureOut">
               <a:rPr lang="es-ES" smtClean="0"/>
-              <a:t>07/06/2024</a:t>
+              <a:t>12/06/2024</a:t>
             </a:fld>
             <a:endParaRPr lang="es-ES"/>
           </a:p>
@@ -3934,6 +3936,444 @@
 </p:sld>
 </file>
 
+<file path=ppt/slides/slide12.xml><?xml version="1.0" encoding="utf-8"?>
+<p:sld xmlns:a="http://schemas.openxmlformats.org/drawingml/2006/main" xmlns:r="http://schemas.openxmlformats.org/officeDocument/2006/relationships" xmlns:p="http://schemas.openxmlformats.org/presentationml/2006/main">
+  <p:cSld>
+    <p:spTree>
+      <p:nvGrpSpPr>
+        <p:cNvPr id="1" name=""/>
+        <p:cNvGrpSpPr/>
+        <p:nvPr/>
+      </p:nvGrpSpPr>
+      <p:grpSpPr>
+        <a:xfrm>
+          <a:off x="0" y="0"/>
+          <a:ext cx="0" cy="0"/>
+          <a:chOff x="0" y="0"/>
+          <a:chExt cx="0" cy="0"/>
+        </a:xfrm>
+      </p:grpSpPr>
+      <p:sp>
+        <p:nvSpPr>
+          <p:cNvPr id="4" name="Rectángulo 3">
+            <a:extLst>
+              <a:ext uri="{FF2B5EF4-FFF2-40B4-BE49-F238E27FC236}">
+                <a16:creationId xmlns:a16="http://schemas.microsoft.com/office/drawing/2014/main" id="{8EFDB355-27DA-0002-9E99-6510DD170631}"/>
+              </a:ext>
+            </a:extLst>
+          </p:cNvPr>
+          <p:cNvSpPr/>
+          <p:nvPr/>
+        </p:nvSpPr>
+        <p:spPr>
+          <a:xfrm>
+            <a:off x="0" y="0"/>
+            <a:ext cx="6783355" cy="6858000"/>
+          </a:xfrm>
+          <a:prstGeom prst="rect">
+            <a:avLst/>
+          </a:prstGeom>
+          <a:solidFill>
+            <a:schemeClr val="accent6">
+              <a:lumMod val="75000"/>
+            </a:schemeClr>
+          </a:solidFill>
+          <a:ln>
+            <a:solidFill>
+              <a:schemeClr val="accent2">
+                <a:lumMod val="75000"/>
+              </a:schemeClr>
+            </a:solidFill>
+          </a:ln>
+        </p:spPr>
+        <p:style>
+          <a:lnRef idx="2">
+            <a:schemeClr val="accent1">
+              <a:shade val="15000"/>
+            </a:schemeClr>
+          </a:lnRef>
+          <a:fillRef idx="1">
+            <a:schemeClr val="accent1"/>
+          </a:fillRef>
+          <a:effectRef idx="0">
+            <a:schemeClr val="accent1"/>
+          </a:effectRef>
+          <a:fontRef idx="minor">
+            <a:schemeClr val="lt1"/>
+          </a:fontRef>
+        </p:style>
+        <p:txBody>
+          <a:bodyPr rtlCol="0" anchor="ctr"/>
+          <a:lstStyle/>
+          <a:p>
+            <a:pPr algn="ctr"/>
+            <a:r>
+              <a:rPr lang="es-MX" sz="6600" b="1" dirty="0"/>
+              <a:t>Computación </a:t>
+            </a:r>
+          </a:p>
+          <a:p>
+            <a:pPr algn="ctr"/>
+            <a:r>
+              <a:rPr lang="es-MX" sz="6600" b="1" dirty="0"/>
+              <a:t>distribuida</a:t>
+            </a:r>
+          </a:p>
+        </p:txBody>
+      </p:sp>
+      <p:sp>
+        <p:nvSpPr>
+          <p:cNvPr id="2" name="AutoShape 2" descr="icon_kmeans">
+            <a:extLst>
+              <a:ext uri="{FF2B5EF4-FFF2-40B4-BE49-F238E27FC236}">
+                <a16:creationId xmlns:a16="http://schemas.microsoft.com/office/drawing/2014/main" id="{584BB198-0B28-0510-93F2-28AD6D3F349A}"/>
+              </a:ext>
+            </a:extLst>
+          </p:cNvPr>
+          <p:cNvSpPr>
+            <a:spLocks noChangeAspect="1" noChangeArrowheads="1"/>
+          </p:cNvSpPr>
+          <p:nvPr/>
+        </p:nvSpPr>
+        <p:spPr bwMode="auto">
+          <a:xfrm>
+            <a:off x="5943600" y="3276600"/>
+            <a:ext cx="304800" cy="304800"/>
+          </a:xfrm>
+          <a:prstGeom prst="rect">
+            <a:avLst/>
+          </a:prstGeom>
+          <a:noFill/>
+          <a:extLst>
+            <a:ext uri="{909E8E84-426E-40DD-AFC4-6F175D3DCCD1}">
+              <a14:hiddenFill xmlns:a14="http://schemas.microsoft.com/office/drawing/2010/main">
+                <a:solidFill>
+                  <a:srgbClr val="FFFFFF"/>
+                </a:solidFill>
+              </a14:hiddenFill>
+            </a:ext>
+          </a:extLst>
+        </p:spPr>
+        <p:txBody>
+          <a:bodyPr vert="horz" wrap="square" lIns="91440" tIns="45720" rIns="91440" bIns="45720" numCol="1" anchor="t" anchorCtr="0" compatLnSpc="1">
+            <a:prstTxWarp prst="textNoShape">
+              <a:avLst/>
+            </a:prstTxWarp>
+          </a:bodyPr>
+          <a:lstStyle/>
+          <a:p>
+            <a:endParaRPr lang="es-ES"/>
+          </a:p>
+        </p:txBody>
+      </p:sp>
+      <p:pic>
+        <p:nvPicPr>
+          <p:cNvPr id="6" name="Imagen 5" descr="Icono&#10;&#10;Descripción generada automáticamente">
+            <a:extLst>
+              <a:ext uri="{FF2B5EF4-FFF2-40B4-BE49-F238E27FC236}">
+                <a16:creationId xmlns:a16="http://schemas.microsoft.com/office/drawing/2014/main" id="{F9940676-5121-6094-9BB4-DF1E35C5303E}"/>
+              </a:ext>
+            </a:extLst>
+          </p:cNvPr>
+          <p:cNvPicPr>
+            <a:picLocks noChangeAspect="1"/>
+          </p:cNvPicPr>
+          <p:nvPr/>
+        </p:nvPicPr>
+        <p:blipFill>
+          <a:blip r:embed="rId2">
+            <a:extLst>
+              <a:ext uri="{28A0092B-C50C-407E-A947-70E740481C1C}">
+                <a14:useLocalDpi xmlns:a14="http://schemas.microsoft.com/office/drawing/2010/main" val="0"/>
+              </a:ext>
+            </a:extLst>
+          </a:blip>
+          <a:stretch>
+            <a:fillRect/>
+          </a:stretch>
+        </p:blipFill>
+        <p:spPr>
+          <a:xfrm>
+            <a:off x="8280000" y="1080000"/>
+            <a:ext cx="2160000" cy="2160000"/>
+          </a:xfrm>
+          <a:prstGeom prst="rect">
+            <a:avLst/>
+          </a:prstGeom>
+        </p:spPr>
+      </p:pic>
+      <p:pic>
+        <p:nvPicPr>
+          <p:cNvPr id="9" name="Imagen 8" descr="Icono&#10;&#10;Descripción generada automáticamente">
+            <a:extLst>
+              <a:ext uri="{FF2B5EF4-FFF2-40B4-BE49-F238E27FC236}">
+                <a16:creationId xmlns:a16="http://schemas.microsoft.com/office/drawing/2014/main" id="{A4A5BF30-B6EA-5C6C-F473-5C3F59453138}"/>
+              </a:ext>
+            </a:extLst>
+          </p:cNvPr>
+          <p:cNvPicPr>
+            <a:picLocks noChangeAspect="1"/>
+          </p:cNvPicPr>
+          <p:nvPr/>
+        </p:nvPicPr>
+        <p:blipFill>
+          <a:blip r:embed="rId3">
+            <a:extLst>
+              <a:ext uri="{28A0092B-C50C-407E-A947-70E740481C1C}">
+                <a14:useLocalDpi xmlns:a14="http://schemas.microsoft.com/office/drawing/2010/main" val="0"/>
+              </a:ext>
+            </a:extLst>
+          </a:blip>
+          <a:stretch>
+            <a:fillRect/>
+          </a:stretch>
+        </p:blipFill>
+        <p:spPr>
+          <a:xfrm>
+            <a:off x="8280000" y="3600000"/>
+            <a:ext cx="2160000" cy="2160000"/>
+          </a:xfrm>
+          <a:prstGeom prst="rect">
+            <a:avLst/>
+          </a:prstGeom>
+        </p:spPr>
+      </p:pic>
+    </p:spTree>
+    <p:extLst>
+      <p:ext uri="{BB962C8B-B14F-4D97-AF65-F5344CB8AC3E}">
+        <p14:creationId xmlns:p14="http://schemas.microsoft.com/office/powerpoint/2010/main" val="4089130910"/>
+      </p:ext>
+    </p:extLst>
+  </p:cSld>
+  <p:clrMapOvr>
+    <a:masterClrMapping/>
+  </p:clrMapOvr>
+</p:sld>
+</file>
+
+<file path=ppt/slides/slide13.xml><?xml version="1.0" encoding="utf-8"?>
+<p:sld xmlns:a="http://schemas.openxmlformats.org/drawingml/2006/main" xmlns:r="http://schemas.openxmlformats.org/officeDocument/2006/relationships" xmlns:p="http://schemas.openxmlformats.org/presentationml/2006/main">
+  <p:cSld>
+    <p:spTree>
+      <p:nvGrpSpPr>
+        <p:cNvPr id="1" name=""/>
+        <p:cNvGrpSpPr/>
+        <p:nvPr/>
+      </p:nvGrpSpPr>
+      <p:grpSpPr>
+        <a:xfrm>
+          <a:off x="0" y="0"/>
+          <a:ext cx="0" cy="0"/>
+          <a:chOff x="0" y="0"/>
+          <a:chExt cx="0" cy="0"/>
+        </a:xfrm>
+      </p:grpSpPr>
+      <p:sp>
+        <p:nvSpPr>
+          <p:cNvPr id="4" name="Rectángulo 3">
+            <a:extLst>
+              <a:ext uri="{FF2B5EF4-FFF2-40B4-BE49-F238E27FC236}">
+                <a16:creationId xmlns:a16="http://schemas.microsoft.com/office/drawing/2014/main" id="{8EFDB355-27DA-0002-9E99-6510DD170631}"/>
+              </a:ext>
+            </a:extLst>
+          </p:cNvPr>
+          <p:cNvSpPr/>
+          <p:nvPr/>
+        </p:nvSpPr>
+        <p:spPr>
+          <a:xfrm>
+            <a:off x="0" y="0"/>
+            <a:ext cx="6783355" cy="6858000"/>
+          </a:xfrm>
+          <a:prstGeom prst="rect">
+            <a:avLst/>
+          </a:prstGeom>
+          <a:solidFill>
+            <a:schemeClr val="accent6">
+              <a:lumMod val="75000"/>
+            </a:schemeClr>
+          </a:solidFill>
+          <a:ln>
+            <a:solidFill>
+              <a:schemeClr val="accent2">
+                <a:lumMod val="75000"/>
+              </a:schemeClr>
+            </a:solidFill>
+          </a:ln>
+        </p:spPr>
+        <p:style>
+          <a:lnRef idx="2">
+            <a:schemeClr val="accent1">
+              <a:shade val="15000"/>
+            </a:schemeClr>
+          </a:lnRef>
+          <a:fillRef idx="1">
+            <a:schemeClr val="accent1"/>
+          </a:fillRef>
+          <a:effectRef idx="0">
+            <a:schemeClr val="accent1"/>
+          </a:effectRef>
+          <a:fontRef idx="minor">
+            <a:schemeClr val="lt1"/>
+          </a:fontRef>
+        </p:style>
+        <p:txBody>
+          <a:bodyPr rtlCol="0" anchor="ctr"/>
+          <a:lstStyle/>
+          <a:p>
+            <a:pPr algn="ctr"/>
+            <a:r>
+              <a:rPr lang="es-MX" sz="6600" b="1" dirty="0" err="1"/>
+              <a:t>Spark</a:t>
+            </a:r>
+            <a:r>
+              <a:rPr lang="es-MX" sz="6600" b="1" dirty="0"/>
+              <a:t> </a:t>
+            </a:r>
+          </a:p>
+          <a:p>
+            <a:pPr algn="ctr"/>
+            <a:r>
+              <a:rPr lang="es-MX" sz="6600" b="1" dirty="0" err="1"/>
+              <a:t>intro</a:t>
+            </a:r>
+            <a:r>
+              <a:rPr lang="es-MX" sz="6600" b="1" dirty="0"/>
+              <a:t> ML</a:t>
+            </a:r>
+          </a:p>
+        </p:txBody>
+      </p:sp>
+      <p:sp>
+        <p:nvSpPr>
+          <p:cNvPr id="2" name="AutoShape 2" descr="icon_kmeans">
+            <a:extLst>
+              <a:ext uri="{FF2B5EF4-FFF2-40B4-BE49-F238E27FC236}">
+                <a16:creationId xmlns:a16="http://schemas.microsoft.com/office/drawing/2014/main" id="{584BB198-0B28-0510-93F2-28AD6D3F349A}"/>
+              </a:ext>
+            </a:extLst>
+          </p:cNvPr>
+          <p:cNvSpPr>
+            <a:spLocks noChangeAspect="1" noChangeArrowheads="1"/>
+          </p:cNvSpPr>
+          <p:nvPr/>
+        </p:nvSpPr>
+        <p:spPr bwMode="auto">
+          <a:xfrm>
+            <a:off x="5943600" y="3276600"/>
+            <a:ext cx="304800" cy="304800"/>
+          </a:xfrm>
+          <a:prstGeom prst="rect">
+            <a:avLst/>
+          </a:prstGeom>
+          <a:noFill/>
+          <a:extLst>
+            <a:ext uri="{909E8E84-426E-40DD-AFC4-6F175D3DCCD1}">
+              <a14:hiddenFill xmlns:a14="http://schemas.microsoft.com/office/drawing/2010/main">
+                <a:solidFill>
+                  <a:srgbClr val="FFFFFF"/>
+                </a:solidFill>
+              </a14:hiddenFill>
+            </a:ext>
+          </a:extLst>
+        </p:spPr>
+        <p:txBody>
+          <a:bodyPr vert="horz" wrap="square" lIns="91440" tIns="45720" rIns="91440" bIns="45720" numCol="1" anchor="t" anchorCtr="0" compatLnSpc="1">
+            <a:prstTxWarp prst="textNoShape">
+              <a:avLst/>
+            </a:prstTxWarp>
+          </a:bodyPr>
+          <a:lstStyle/>
+          <a:p>
+            <a:endParaRPr lang="es-ES"/>
+          </a:p>
+        </p:txBody>
+      </p:sp>
+      <p:pic>
+        <p:nvPicPr>
+          <p:cNvPr id="5" name="Imagen 4" descr="Imagen que contiene dibujo&#10;&#10;Descripción generada automáticamente">
+            <a:extLst>
+              <a:ext uri="{FF2B5EF4-FFF2-40B4-BE49-F238E27FC236}">
+                <a16:creationId xmlns:a16="http://schemas.microsoft.com/office/drawing/2014/main" id="{0472B24D-10E3-9B61-5EA7-18E1B8F87365}"/>
+              </a:ext>
+            </a:extLst>
+          </p:cNvPr>
+          <p:cNvPicPr>
+            <a:picLocks noChangeAspect="1"/>
+          </p:cNvPicPr>
+          <p:nvPr/>
+        </p:nvPicPr>
+        <p:blipFill>
+          <a:blip r:embed="rId2">
+            <a:extLst>
+              <a:ext uri="{28A0092B-C50C-407E-A947-70E740481C1C}">
+                <a14:useLocalDpi xmlns:a14="http://schemas.microsoft.com/office/drawing/2010/main" val="0"/>
+              </a:ext>
+            </a:extLst>
+          </a:blip>
+          <a:stretch>
+            <a:fillRect/>
+          </a:stretch>
+        </p:blipFill>
+        <p:spPr>
+          <a:xfrm>
+            <a:off x="7919830" y="938005"/>
+            <a:ext cx="2971800" cy="1543050"/>
+          </a:xfrm>
+          <a:prstGeom prst="rect">
+            <a:avLst/>
+          </a:prstGeom>
+        </p:spPr>
+      </p:pic>
+      <p:pic>
+        <p:nvPicPr>
+          <p:cNvPr id="8" name="Imagen 7" descr="Un dibujo con letras&#10;&#10;Descripción generada automáticamente con confianza baja">
+            <a:extLst>
+              <a:ext uri="{FF2B5EF4-FFF2-40B4-BE49-F238E27FC236}">
+                <a16:creationId xmlns:a16="http://schemas.microsoft.com/office/drawing/2014/main" id="{D828D7AA-CE1A-853E-00F0-A5FCD612550D}"/>
+              </a:ext>
+            </a:extLst>
+          </p:cNvPr>
+          <p:cNvPicPr>
+            <a:picLocks noChangeAspect="1"/>
+          </p:cNvPicPr>
+          <p:nvPr/>
+        </p:nvPicPr>
+        <p:blipFill>
+          <a:blip r:embed="rId3">
+            <a:extLst>
+              <a:ext uri="{28A0092B-C50C-407E-A947-70E740481C1C}">
+                <a14:useLocalDpi xmlns:a14="http://schemas.microsoft.com/office/drawing/2010/main" val="0"/>
+              </a:ext>
+            </a:extLst>
+          </a:blip>
+          <a:stretch>
+            <a:fillRect/>
+          </a:stretch>
+        </p:blipFill>
+        <p:spPr>
+          <a:xfrm>
+            <a:off x="7738855" y="3653046"/>
+            <a:ext cx="3152775" cy="1447800"/>
+          </a:xfrm>
+          <a:prstGeom prst="rect">
+            <a:avLst/>
+          </a:prstGeom>
+        </p:spPr>
+      </p:pic>
+    </p:spTree>
+    <p:extLst>
+      <p:ext uri="{BB962C8B-B14F-4D97-AF65-F5344CB8AC3E}">
+        <p14:creationId xmlns:p14="http://schemas.microsoft.com/office/powerpoint/2010/main" val="2567241536"/>
+      </p:ext>
+    </p:extLst>
+  </p:cSld>
+  <p:clrMapOvr>
+    <a:masterClrMapping/>
+  </p:clrMapOvr>
+</p:sld>
+</file>
+
 <file path=ppt/slides/slide2.xml><?xml version="1.0" encoding="utf-8"?>
 <p:sld xmlns:a="http://schemas.openxmlformats.org/drawingml/2006/main" xmlns:r="http://schemas.openxmlformats.org/officeDocument/2006/relationships" xmlns:p="http://schemas.openxmlformats.org/presentationml/2006/main">
   <p:cSld>

--- a/Imagenes/presentacion_iconos.pptx
+++ b/Imagenes/presentacion_iconos.pptx
@@ -271,7 +271,7 @@
           <a:p>
             <a:fld id="{05E93951-F40E-4A2D-AEE9-CDC3C3196AFF}" type="datetimeFigureOut">
               <a:rPr lang="es-ES" smtClean="0"/>
-              <a:t>12/06/2024</a:t>
+              <a:t>18/09/2024</a:t>
             </a:fld>
             <a:endParaRPr lang="es-ES"/>
           </a:p>
@@ -469,7 +469,7 @@
           <a:p>
             <a:fld id="{05E93951-F40E-4A2D-AEE9-CDC3C3196AFF}" type="datetimeFigureOut">
               <a:rPr lang="es-ES" smtClean="0"/>
-              <a:t>12/06/2024</a:t>
+              <a:t>18/09/2024</a:t>
             </a:fld>
             <a:endParaRPr lang="es-ES"/>
           </a:p>
@@ -677,7 +677,7 @@
           <a:p>
             <a:fld id="{05E93951-F40E-4A2D-AEE9-CDC3C3196AFF}" type="datetimeFigureOut">
               <a:rPr lang="es-ES" smtClean="0"/>
-              <a:t>12/06/2024</a:t>
+              <a:t>18/09/2024</a:t>
             </a:fld>
             <a:endParaRPr lang="es-ES"/>
           </a:p>
@@ -875,7 +875,7 @@
           <a:p>
             <a:fld id="{05E93951-F40E-4A2D-AEE9-CDC3C3196AFF}" type="datetimeFigureOut">
               <a:rPr lang="es-ES" smtClean="0"/>
-              <a:t>12/06/2024</a:t>
+              <a:t>18/09/2024</a:t>
             </a:fld>
             <a:endParaRPr lang="es-ES"/>
           </a:p>
@@ -1150,7 +1150,7 @@
           <a:p>
             <a:fld id="{05E93951-F40E-4A2D-AEE9-CDC3C3196AFF}" type="datetimeFigureOut">
               <a:rPr lang="es-ES" smtClean="0"/>
-              <a:t>12/06/2024</a:t>
+              <a:t>18/09/2024</a:t>
             </a:fld>
             <a:endParaRPr lang="es-ES"/>
           </a:p>
@@ -1415,7 +1415,7 @@
           <a:p>
             <a:fld id="{05E93951-F40E-4A2D-AEE9-CDC3C3196AFF}" type="datetimeFigureOut">
               <a:rPr lang="es-ES" smtClean="0"/>
-              <a:t>12/06/2024</a:t>
+              <a:t>18/09/2024</a:t>
             </a:fld>
             <a:endParaRPr lang="es-ES"/>
           </a:p>
@@ -1827,7 +1827,7 @@
           <a:p>
             <a:fld id="{05E93951-F40E-4A2D-AEE9-CDC3C3196AFF}" type="datetimeFigureOut">
               <a:rPr lang="es-ES" smtClean="0"/>
-              <a:t>12/06/2024</a:t>
+              <a:t>18/09/2024</a:t>
             </a:fld>
             <a:endParaRPr lang="es-ES"/>
           </a:p>
@@ -1968,7 +1968,7 @@
           <a:p>
             <a:fld id="{05E93951-F40E-4A2D-AEE9-CDC3C3196AFF}" type="datetimeFigureOut">
               <a:rPr lang="es-ES" smtClean="0"/>
-              <a:t>12/06/2024</a:t>
+              <a:t>18/09/2024</a:t>
             </a:fld>
             <a:endParaRPr lang="es-ES"/>
           </a:p>
@@ -2081,7 +2081,7 @@
           <a:p>
             <a:fld id="{05E93951-F40E-4A2D-AEE9-CDC3C3196AFF}" type="datetimeFigureOut">
               <a:rPr lang="es-ES" smtClean="0"/>
-              <a:t>12/06/2024</a:t>
+              <a:t>18/09/2024</a:t>
             </a:fld>
             <a:endParaRPr lang="es-ES"/>
           </a:p>
@@ -2392,7 +2392,7 @@
           <a:p>
             <a:fld id="{05E93951-F40E-4A2D-AEE9-CDC3C3196AFF}" type="datetimeFigureOut">
               <a:rPr lang="es-ES" smtClean="0"/>
-              <a:t>12/06/2024</a:t>
+              <a:t>18/09/2024</a:t>
             </a:fld>
             <a:endParaRPr lang="es-ES"/>
           </a:p>
@@ -2680,7 +2680,7 @@
           <a:p>
             <a:fld id="{05E93951-F40E-4A2D-AEE9-CDC3C3196AFF}" type="datetimeFigureOut">
               <a:rPr lang="es-ES" smtClean="0"/>
-              <a:t>12/06/2024</a:t>
+              <a:t>18/09/2024</a:t>
             </a:fld>
             <a:endParaRPr lang="es-ES"/>
           </a:p>
@@ -2921,7 +2921,7 @@
           <a:p>
             <a:fld id="{05E93951-F40E-4A2D-AEE9-CDC3C3196AFF}" type="datetimeFigureOut">
               <a:rPr lang="es-ES" smtClean="0"/>
-              <a:t>12/06/2024</a:t>
+              <a:t>18/09/2024</a:t>
             </a:fld>
             <a:endParaRPr lang="es-ES"/>
           </a:p>
@@ -3563,8 +3563,12 @@
           <a:p>
             <a:pPr algn="ctr"/>
             <a:r>
+              <a:rPr lang="es-MX" sz="6600" b="1"/>
+              <a:t>BigData</a:t>
+            </a:r>
+            <a:r>
               <a:rPr lang="es-MX" sz="6600" b="1" dirty="0"/>
-              <a:t>Medium </a:t>
+              <a:t> y Medium </a:t>
             </a:r>
           </a:p>
           <a:p>

--- a/Imagenes/presentacion_iconos.pptx
+++ b/Imagenes/presentacion_iconos.pptx
@@ -13,11 +13,12 @@
     <p:sldId id="261" r:id="rId7"/>
     <p:sldId id="262" r:id="rId8"/>
     <p:sldId id="263" r:id="rId9"/>
-    <p:sldId id="264" r:id="rId10"/>
-    <p:sldId id="265" r:id="rId11"/>
-    <p:sldId id="266" r:id="rId12"/>
-    <p:sldId id="267" r:id="rId13"/>
-    <p:sldId id="268" r:id="rId14"/>
+    <p:sldId id="269" r:id="rId10"/>
+    <p:sldId id="264" r:id="rId11"/>
+    <p:sldId id="265" r:id="rId12"/>
+    <p:sldId id="266" r:id="rId13"/>
+    <p:sldId id="267" r:id="rId14"/>
+    <p:sldId id="268" r:id="rId15"/>
   </p:sldIdLst>
   <p:sldSz cx="12192000" cy="6858000"/>
   <p:notesSz cx="6858000" cy="9144000"/>
@@ -271,7 +272,7 @@
           <a:p>
             <a:fld id="{05E93951-F40E-4A2D-AEE9-CDC3C3196AFF}" type="datetimeFigureOut">
               <a:rPr lang="es-ES" smtClean="0"/>
-              <a:t>18/09/2024</a:t>
+              <a:t>04/12/2024</a:t>
             </a:fld>
             <a:endParaRPr lang="es-ES"/>
           </a:p>
@@ -469,7 +470,7 @@
           <a:p>
             <a:fld id="{05E93951-F40E-4A2D-AEE9-CDC3C3196AFF}" type="datetimeFigureOut">
               <a:rPr lang="es-ES" smtClean="0"/>
-              <a:t>18/09/2024</a:t>
+              <a:t>04/12/2024</a:t>
             </a:fld>
             <a:endParaRPr lang="es-ES"/>
           </a:p>
@@ -677,7 +678,7 @@
           <a:p>
             <a:fld id="{05E93951-F40E-4A2D-AEE9-CDC3C3196AFF}" type="datetimeFigureOut">
               <a:rPr lang="es-ES" smtClean="0"/>
-              <a:t>18/09/2024</a:t>
+              <a:t>04/12/2024</a:t>
             </a:fld>
             <a:endParaRPr lang="es-ES"/>
           </a:p>
@@ -875,7 +876,7 @@
           <a:p>
             <a:fld id="{05E93951-F40E-4A2D-AEE9-CDC3C3196AFF}" type="datetimeFigureOut">
               <a:rPr lang="es-ES" smtClean="0"/>
-              <a:t>18/09/2024</a:t>
+              <a:t>04/12/2024</a:t>
             </a:fld>
             <a:endParaRPr lang="es-ES"/>
           </a:p>
@@ -1150,7 +1151,7 @@
           <a:p>
             <a:fld id="{05E93951-F40E-4A2D-AEE9-CDC3C3196AFF}" type="datetimeFigureOut">
               <a:rPr lang="es-ES" smtClean="0"/>
-              <a:t>18/09/2024</a:t>
+              <a:t>04/12/2024</a:t>
             </a:fld>
             <a:endParaRPr lang="es-ES"/>
           </a:p>
@@ -1415,7 +1416,7 @@
           <a:p>
             <a:fld id="{05E93951-F40E-4A2D-AEE9-CDC3C3196AFF}" type="datetimeFigureOut">
               <a:rPr lang="es-ES" smtClean="0"/>
-              <a:t>18/09/2024</a:t>
+              <a:t>04/12/2024</a:t>
             </a:fld>
             <a:endParaRPr lang="es-ES"/>
           </a:p>
@@ -1827,7 +1828,7 @@
           <a:p>
             <a:fld id="{05E93951-F40E-4A2D-AEE9-CDC3C3196AFF}" type="datetimeFigureOut">
               <a:rPr lang="es-ES" smtClean="0"/>
-              <a:t>18/09/2024</a:t>
+              <a:t>04/12/2024</a:t>
             </a:fld>
             <a:endParaRPr lang="es-ES"/>
           </a:p>
@@ -1968,7 +1969,7 @@
           <a:p>
             <a:fld id="{05E93951-F40E-4A2D-AEE9-CDC3C3196AFF}" type="datetimeFigureOut">
               <a:rPr lang="es-ES" smtClean="0"/>
-              <a:t>18/09/2024</a:t>
+              <a:t>04/12/2024</a:t>
             </a:fld>
             <a:endParaRPr lang="es-ES"/>
           </a:p>
@@ -2081,7 +2082,7 @@
           <a:p>
             <a:fld id="{05E93951-F40E-4A2D-AEE9-CDC3C3196AFF}" type="datetimeFigureOut">
               <a:rPr lang="es-ES" smtClean="0"/>
-              <a:t>18/09/2024</a:t>
+              <a:t>04/12/2024</a:t>
             </a:fld>
             <a:endParaRPr lang="es-ES"/>
           </a:p>
@@ -2392,7 +2393,7 @@
           <a:p>
             <a:fld id="{05E93951-F40E-4A2D-AEE9-CDC3C3196AFF}" type="datetimeFigureOut">
               <a:rPr lang="es-ES" smtClean="0"/>
-              <a:t>18/09/2024</a:t>
+              <a:t>04/12/2024</a:t>
             </a:fld>
             <a:endParaRPr lang="es-ES"/>
           </a:p>
@@ -2680,7 +2681,7 @@
           <a:p>
             <a:fld id="{05E93951-F40E-4A2D-AEE9-CDC3C3196AFF}" type="datetimeFigureOut">
               <a:rPr lang="es-ES" smtClean="0"/>
-              <a:t>18/09/2024</a:t>
+              <a:t>04/12/2024</a:t>
             </a:fld>
             <a:endParaRPr lang="es-ES"/>
           </a:p>
@@ -2921,7 +2922,7 @@
           <a:p>
             <a:fld id="{05E93951-F40E-4A2D-AEE9-CDC3C3196AFF}" type="datetimeFigureOut">
               <a:rPr lang="es-ES" smtClean="0"/>
-              <a:t>18/09/2024</a:t>
+              <a:t>04/12/2024</a:t>
             </a:fld>
             <a:endParaRPr lang="es-ES"/>
           </a:p>
@@ -3563,19 +3564,15 @@
           <a:p>
             <a:pPr algn="ctr"/>
             <a:r>
-              <a:rPr lang="es-MX" sz="6600" b="1"/>
+              <a:rPr lang="es-MX" sz="6600" b="1" dirty="0"/>
+              <a:t>Introducción </a:t>
+            </a:r>
+          </a:p>
+          <a:p>
+            <a:pPr algn="ctr"/>
+            <a:r>
+              <a:rPr lang="es-MX" sz="6600" b="1" dirty="0" err="1"/>
               <a:t>BigData</a:t>
-            </a:r>
-            <a:r>
-              <a:rPr lang="es-MX" sz="6600" b="1" dirty="0"/>
-              <a:t> y Medium </a:t>
-            </a:r>
-          </a:p>
-          <a:p>
-            <a:pPr algn="ctr"/>
-            <a:r>
-              <a:rPr lang="es-MX" sz="6600" b="1" dirty="0"/>
-              <a:t>Data</a:t>
             </a:r>
             <a:endParaRPr lang="es-ES" sz="6600" b="1" dirty="0"/>
           </a:p>
@@ -3628,10 +3625,10 @@
       </p:sp>
       <p:pic>
         <p:nvPicPr>
-          <p:cNvPr id="6" name="Imagen 5" descr="Imagen que contiene Icono&#10;&#10;Descripción generada automáticamente">
-            <a:extLst>
-              <a:ext uri="{FF2B5EF4-FFF2-40B4-BE49-F238E27FC236}">
-                <a16:creationId xmlns:a16="http://schemas.microsoft.com/office/drawing/2014/main" id="{23D815A9-23AC-CB2E-25F5-996EEF1D06AF}"/>
+          <p:cNvPr id="5" name="Imagen 4" descr="Icono&#10;&#10;Descripción generada automáticamente">
+            <a:extLst>
+              <a:ext uri="{FF2B5EF4-FFF2-40B4-BE49-F238E27FC236}">
+                <a16:creationId xmlns:a16="http://schemas.microsoft.com/office/drawing/2014/main" id="{89C60995-6B9C-BCF9-72E9-D808A815A776}"/>
               </a:ext>
             </a:extLst>
           </p:cNvPr>
@@ -3664,19 +3661,19 @@
       </p:pic>
       <p:pic>
         <p:nvPicPr>
-          <p:cNvPr id="1026" name="Picture 2">
-            <a:extLst>
-              <a:ext uri="{FF2B5EF4-FFF2-40B4-BE49-F238E27FC236}">
-                <a16:creationId xmlns:a16="http://schemas.microsoft.com/office/drawing/2014/main" id="{250F01F0-BFF9-AE61-4CE7-771AFDB767B8}"/>
+          <p:cNvPr id="8" name="Imagen 7" descr="Imagen que contiene Código QR&#10;&#10;Descripción generada automáticamente">
+            <a:extLst>
+              <a:ext uri="{FF2B5EF4-FFF2-40B4-BE49-F238E27FC236}">
+                <a16:creationId xmlns:a16="http://schemas.microsoft.com/office/drawing/2014/main" id="{9CD20F0E-A2F2-E2FC-5C2D-CB1A9696AE7B}"/>
               </a:ext>
             </a:extLst>
           </p:cNvPr>
           <p:cNvPicPr>
-            <a:picLocks noChangeAspect="1" noChangeArrowheads="1"/>
+            <a:picLocks noChangeAspect="1"/>
           </p:cNvPicPr>
           <p:nvPr/>
         </p:nvPicPr>
-        <p:blipFill rotWithShape="1">
+        <p:blipFill>
           <a:blip r:embed="rId3">
             <a:extLst>
               <a:ext uri="{28A0092B-C50C-407E-A947-70E740481C1C}">
@@ -3684,33 +3681,24 @@
               </a:ext>
             </a:extLst>
           </a:blip>
-          <a:srcRect b="7504"/>
-          <a:stretch/>
+          <a:stretch>
+            <a:fillRect/>
+          </a:stretch>
         </p:blipFill>
-        <p:spPr bwMode="auto">
+        <p:spPr>
           <a:xfrm>
             <a:off x="8280000" y="1080000"/>
-            <a:ext cx="2000000" cy="1997917"/>
+            <a:ext cx="2160000" cy="2160000"/>
           </a:xfrm>
           <a:prstGeom prst="rect">
             <a:avLst/>
           </a:prstGeom>
-          <a:noFill/>
-          <a:extLst>
-            <a:ext uri="{909E8E84-426E-40DD-AFC4-6F175D3DCCD1}">
-              <a14:hiddenFill xmlns:a14="http://schemas.microsoft.com/office/drawing/2010/main">
-                <a:solidFill>
-                  <a:srgbClr val="FFFFFF"/>
-                </a:solidFill>
-              </a14:hiddenFill>
-            </a:ext>
-          </a:extLst>
         </p:spPr>
       </p:pic>
     </p:spTree>
     <p:extLst>
       <p:ext uri="{BB962C8B-B14F-4D97-AF65-F5344CB8AC3E}">
-        <p14:creationId xmlns:p14="http://schemas.microsoft.com/office/powerpoint/2010/main" val="745181808"/>
+        <p14:creationId xmlns:p14="http://schemas.microsoft.com/office/powerpoint/2010/main" val="620451960"/>
       </p:ext>
     </p:extLst>
   </p:cSld>
@@ -3792,19 +3780,19 @@
           <a:p>
             <a:pPr algn="ctr"/>
             <a:r>
-              <a:rPr lang="es-MX" sz="6600" b="1" dirty="0" err="1"/>
-              <a:t>Multiprocessing</a:t>
+              <a:rPr lang="es-MX" sz="6600" b="1"/>
+              <a:t>BigData</a:t>
             </a:r>
             <a:r>
               <a:rPr lang="es-MX" sz="6600" b="1" dirty="0"/>
-              <a:t> </a:t>
+              <a:t> y Medium </a:t>
             </a:r>
           </a:p>
           <a:p>
             <a:pPr algn="ctr"/>
             <a:r>
               <a:rPr lang="es-MX" sz="6600" b="1" dirty="0"/>
-              <a:t>Y algo más</a:t>
+              <a:t>Data</a:t>
             </a:r>
             <a:endParaRPr lang="es-ES" sz="6600" b="1" dirty="0"/>
           </a:p>
@@ -3857,10 +3845,10 @@
       </p:sp>
       <p:pic>
         <p:nvPicPr>
-          <p:cNvPr id="5" name="Imagen 4" descr="Icono&#10;&#10;Descripción generada automáticamente">
-            <a:extLst>
-              <a:ext uri="{FF2B5EF4-FFF2-40B4-BE49-F238E27FC236}">
-                <a16:creationId xmlns:a16="http://schemas.microsoft.com/office/drawing/2014/main" id="{494E434B-8E54-6EC6-350A-4FCF9FF33D7E}"/>
+          <p:cNvPr id="6" name="Imagen 5" descr="Imagen que contiene Icono&#10;&#10;Descripción generada automáticamente">
+            <a:extLst>
+              <a:ext uri="{FF2B5EF4-FFF2-40B4-BE49-F238E27FC236}">
+                <a16:creationId xmlns:a16="http://schemas.microsoft.com/office/drawing/2014/main" id="{23D815A9-23AC-CB2E-25F5-996EEF1D06AF}"/>
               </a:ext>
             </a:extLst>
           </p:cNvPr>
@@ -3893,19 +3881,19 @@
       </p:pic>
       <p:pic>
         <p:nvPicPr>
-          <p:cNvPr id="8" name="Imagen 7" descr="Imagen que contiene objeto, computadora, medidor&#10;&#10;Descripción generada automáticamente">
-            <a:extLst>
-              <a:ext uri="{FF2B5EF4-FFF2-40B4-BE49-F238E27FC236}">
-                <a16:creationId xmlns:a16="http://schemas.microsoft.com/office/drawing/2014/main" id="{01FE5318-E279-3524-4223-1557B20724AF}"/>
+          <p:cNvPr id="1026" name="Picture 2">
+            <a:extLst>
+              <a:ext uri="{FF2B5EF4-FFF2-40B4-BE49-F238E27FC236}">
+                <a16:creationId xmlns:a16="http://schemas.microsoft.com/office/drawing/2014/main" id="{250F01F0-BFF9-AE61-4CE7-771AFDB767B8}"/>
               </a:ext>
             </a:extLst>
           </p:cNvPr>
           <p:cNvPicPr>
-            <a:picLocks noChangeAspect="1"/>
+            <a:picLocks noChangeAspect="1" noChangeArrowheads="1"/>
           </p:cNvPicPr>
           <p:nvPr/>
         </p:nvPicPr>
-        <p:blipFill>
+        <p:blipFill rotWithShape="1">
           <a:blip r:embed="rId3">
             <a:extLst>
               <a:ext uri="{28A0092B-C50C-407E-A947-70E740481C1C}">
@@ -3913,24 +3901,33 @@
               </a:ext>
             </a:extLst>
           </a:blip>
-          <a:stretch>
-            <a:fillRect/>
-          </a:stretch>
+          <a:srcRect b="7504"/>
+          <a:stretch/>
         </p:blipFill>
-        <p:spPr>
+        <p:spPr bwMode="auto">
           <a:xfrm>
             <a:off x="8280000" y="1080000"/>
-            <a:ext cx="2160000" cy="2160000"/>
+            <a:ext cx="2000000" cy="1997917"/>
           </a:xfrm>
           <a:prstGeom prst="rect">
             <a:avLst/>
           </a:prstGeom>
+          <a:noFill/>
+          <a:extLst>
+            <a:ext uri="{909E8E84-426E-40DD-AFC4-6F175D3DCCD1}">
+              <a14:hiddenFill xmlns:a14="http://schemas.microsoft.com/office/drawing/2010/main">
+                <a:solidFill>
+                  <a:srgbClr val="FFFFFF"/>
+                </a:solidFill>
+              </a14:hiddenFill>
+            </a:ext>
+          </a:extLst>
         </p:spPr>
       </p:pic>
     </p:spTree>
     <p:extLst>
       <p:ext uri="{BB962C8B-B14F-4D97-AF65-F5344CB8AC3E}">
-        <p14:creationId xmlns:p14="http://schemas.microsoft.com/office/powerpoint/2010/main" val="3996995906"/>
+        <p14:creationId xmlns:p14="http://schemas.microsoft.com/office/powerpoint/2010/main" val="745181808"/>
       </p:ext>
     </p:extLst>
   </p:cSld>
@@ -4012,6 +4009,226 @@
           <a:p>
             <a:pPr algn="ctr"/>
             <a:r>
+              <a:rPr lang="es-MX" sz="6600" b="1" dirty="0" err="1"/>
+              <a:t>Multiprocessing</a:t>
+            </a:r>
+            <a:r>
+              <a:rPr lang="es-MX" sz="6600" b="1" dirty="0"/>
+              <a:t> </a:t>
+            </a:r>
+          </a:p>
+          <a:p>
+            <a:pPr algn="ctr"/>
+            <a:r>
+              <a:rPr lang="es-MX" sz="6600" b="1" dirty="0"/>
+              <a:t>Y algo más</a:t>
+            </a:r>
+            <a:endParaRPr lang="es-ES" sz="6600" b="1" dirty="0"/>
+          </a:p>
+        </p:txBody>
+      </p:sp>
+      <p:sp>
+        <p:nvSpPr>
+          <p:cNvPr id="2" name="AutoShape 2" descr="icon_kmeans">
+            <a:extLst>
+              <a:ext uri="{FF2B5EF4-FFF2-40B4-BE49-F238E27FC236}">
+                <a16:creationId xmlns:a16="http://schemas.microsoft.com/office/drawing/2014/main" id="{584BB198-0B28-0510-93F2-28AD6D3F349A}"/>
+              </a:ext>
+            </a:extLst>
+          </p:cNvPr>
+          <p:cNvSpPr>
+            <a:spLocks noChangeAspect="1" noChangeArrowheads="1"/>
+          </p:cNvSpPr>
+          <p:nvPr/>
+        </p:nvSpPr>
+        <p:spPr bwMode="auto">
+          <a:xfrm>
+            <a:off x="5943600" y="3276600"/>
+            <a:ext cx="304800" cy="304800"/>
+          </a:xfrm>
+          <a:prstGeom prst="rect">
+            <a:avLst/>
+          </a:prstGeom>
+          <a:noFill/>
+          <a:extLst>
+            <a:ext uri="{909E8E84-426E-40DD-AFC4-6F175D3DCCD1}">
+              <a14:hiddenFill xmlns:a14="http://schemas.microsoft.com/office/drawing/2010/main">
+                <a:solidFill>
+                  <a:srgbClr val="FFFFFF"/>
+                </a:solidFill>
+              </a14:hiddenFill>
+            </a:ext>
+          </a:extLst>
+        </p:spPr>
+        <p:txBody>
+          <a:bodyPr vert="horz" wrap="square" lIns="91440" tIns="45720" rIns="91440" bIns="45720" numCol="1" anchor="t" anchorCtr="0" compatLnSpc="1">
+            <a:prstTxWarp prst="textNoShape">
+              <a:avLst/>
+            </a:prstTxWarp>
+          </a:bodyPr>
+          <a:lstStyle/>
+          <a:p>
+            <a:endParaRPr lang="es-ES"/>
+          </a:p>
+        </p:txBody>
+      </p:sp>
+      <p:pic>
+        <p:nvPicPr>
+          <p:cNvPr id="5" name="Imagen 4" descr="Icono&#10;&#10;Descripción generada automáticamente">
+            <a:extLst>
+              <a:ext uri="{FF2B5EF4-FFF2-40B4-BE49-F238E27FC236}">
+                <a16:creationId xmlns:a16="http://schemas.microsoft.com/office/drawing/2014/main" id="{494E434B-8E54-6EC6-350A-4FCF9FF33D7E}"/>
+              </a:ext>
+            </a:extLst>
+          </p:cNvPr>
+          <p:cNvPicPr>
+            <a:picLocks noChangeAspect="1"/>
+          </p:cNvPicPr>
+          <p:nvPr/>
+        </p:nvPicPr>
+        <p:blipFill>
+          <a:blip r:embed="rId2">
+            <a:extLst>
+              <a:ext uri="{28A0092B-C50C-407E-A947-70E740481C1C}">
+                <a14:useLocalDpi xmlns:a14="http://schemas.microsoft.com/office/drawing/2010/main" val="0"/>
+              </a:ext>
+            </a:extLst>
+          </a:blip>
+          <a:stretch>
+            <a:fillRect/>
+          </a:stretch>
+        </p:blipFill>
+        <p:spPr>
+          <a:xfrm>
+            <a:off x="8280000" y="3600000"/>
+            <a:ext cx="2160000" cy="2160000"/>
+          </a:xfrm>
+          <a:prstGeom prst="rect">
+            <a:avLst/>
+          </a:prstGeom>
+        </p:spPr>
+      </p:pic>
+      <p:pic>
+        <p:nvPicPr>
+          <p:cNvPr id="8" name="Imagen 7" descr="Imagen que contiene objeto, computadora, medidor&#10;&#10;Descripción generada automáticamente">
+            <a:extLst>
+              <a:ext uri="{FF2B5EF4-FFF2-40B4-BE49-F238E27FC236}">
+                <a16:creationId xmlns:a16="http://schemas.microsoft.com/office/drawing/2014/main" id="{01FE5318-E279-3524-4223-1557B20724AF}"/>
+              </a:ext>
+            </a:extLst>
+          </p:cNvPr>
+          <p:cNvPicPr>
+            <a:picLocks noChangeAspect="1"/>
+          </p:cNvPicPr>
+          <p:nvPr/>
+        </p:nvPicPr>
+        <p:blipFill>
+          <a:blip r:embed="rId3">
+            <a:extLst>
+              <a:ext uri="{28A0092B-C50C-407E-A947-70E740481C1C}">
+                <a14:useLocalDpi xmlns:a14="http://schemas.microsoft.com/office/drawing/2010/main" val="0"/>
+              </a:ext>
+            </a:extLst>
+          </a:blip>
+          <a:stretch>
+            <a:fillRect/>
+          </a:stretch>
+        </p:blipFill>
+        <p:spPr>
+          <a:xfrm>
+            <a:off x="8280000" y="1080000"/>
+            <a:ext cx="2160000" cy="2160000"/>
+          </a:xfrm>
+          <a:prstGeom prst="rect">
+            <a:avLst/>
+          </a:prstGeom>
+        </p:spPr>
+      </p:pic>
+    </p:spTree>
+    <p:extLst>
+      <p:ext uri="{BB962C8B-B14F-4D97-AF65-F5344CB8AC3E}">
+        <p14:creationId xmlns:p14="http://schemas.microsoft.com/office/powerpoint/2010/main" val="3996995906"/>
+      </p:ext>
+    </p:extLst>
+  </p:cSld>
+  <p:clrMapOvr>
+    <a:masterClrMapping/>
+  </p:clrMapOvr>
+</p:sld>
+</file>
+
+<file path=ppt/slides/slide13.xml><?xml version="1.0" encoding="utf-8"?>
+<p:sld xmlns:a="http://schemas.openxmlformats.org/drawingml/2006/main" xmlns:r="http://schemas.openxmlformats.org/officeDocument/2006/relationships" xmlns:p="http://schemas.openxmlformats.org/presentationml/2006/main">
+  <p:cSld>
+    <p:spTree>
+      <p:nvGrpSpPr>
+        <p:cNvPr id="1" name=""/>
+        <p:cNvGrpSpPr/>
+        <p:nvPr/>
+      </p:nvGrpSpPr>
+      <p:grpSpPr>
+        <a:xfrm>
+          <a:off x="0" y="0"/>
+          <a:ext cx="0" cy="0"/>
+          <a:chOff x="0" y="0"/>
+          <a:chExt cx="0" cy="0"/>
+        </a:xfrm>
+      </p:grpSpPr>
+      <p:sp>
+        <p:nvSpPr>
+          <p:cNvPr id="4" name="Rectángulo 3">
+            <a:extLst>
+              <a:ext uri="{FF2B5EF4-FFF2-40B4-BE49-F238E27FC236}">
+                <a16:creationId xmlns:a16="http://schemas.microsoft.com/office/drawing/2014/main" id="{8EFDB355-27DA-0002-9E99-6510DD170631}"/>
+              </a:ext>
+            </a:extLst>
+          </p:cNvPr>
+          <p:cNvSpPr/>
+          <p:nvPr/>
+        </p:nvSpPr>
+        <p:spPr>
+          <a:xfrm>
+            <a:off x="0" y="0"/>
+            <a:ext cx="6783355" cy="6858000"/>
+          </a:xfrm>
+          <a:prstGeom prst="rect">
+            <a:avLst/>
+          </a:prstGeom>
+          <a:solidFill>
+            <a:schemeClr val="accent6">
+              <a:lumMod val="75000"/>
+            </a:schemeClr>
+          </a:solidFill>
+          <a:ln>
+            <a:solidFill>
+              <a:schemeClr val="accent2">
+                <a:lumMod val="75000"/>
+              </a:schemeClr>
+            </a:solidFill>
+          </a:ln>
+        </p:spPr>
+        <p:style>
+          <a:lnRef idx="2">
+            <a:schemeClr val="accent1">
+              <a:shade val="15000"/>
+            </a:schemeClr>
+          </a:lnRef>
+          <a:fillRef idx="1">
+            <a:schemeClr val="accent1"/>
+          </a:fillRef>
+          <a:effectRef idx="0">
+            <a:schemeClr val="accent1"/>
+          </a:effectRef>
+          <a:fontRef idx="minor">
+            <a:schemeClr val="lt1"/>
+          </a:fontRef>
+        </p:style>
+        <p:txBody>
+          <a:bodyPr rtlCol="0" anchor="ctr"/>
+          <a:lstStyle/>
+          <a:p>
+            <a:pPr algn="ctr"/>
+            <a:r>
               <a:rPr lang="es-MX" sz="6600" b="1" dirty="0"/>
               <a:t>Computación </a:t>
             </a:r>
@@ -4155,7 +4372,7 @@
 </p:sld>
 </file>
 
-<file path=ppt/slides/slide13.xml><?xml version="1.0" encoding="utf-8"?>
+<file path=ppt/slides/slide14.xml><?xml version="1.0" encoding="utf-8"?>
 <p:sld xmlns:a="http://schemas.openxmlformats.org/drawingml/2006/main" xmlns:r="http://schemas.openxmlformats.org/officeDocument/2006/relationships" xmlns:p="http://schemas.openxmlformats.org/presentationml/2006/main">
   <p:cSld>
     <p:spTree>
@@ -5643,7 +5860,13 @@
   <p:cSld>
     <p:spTree>
       <p:nvGrpSpPr>
-        <p:cNvPr id="1" name=""/>
+        <p:cNvPr id="1" name="">
+          <a:extLst>
+            <a:ext uri="{FF2B5EF4-FFF2-40B4-BE49-F238E27FC236}">
+              <a16:creationId xmlns:a16="http://schemas.microsoft.com/office/drawing/2014/main" id="{4716AEB8-B26C-EDEA-7098-87D022A023E9}"/>
+            </a:ext>
+          </a:extLst>
+        </p:cNvPr>
         <p:cNvGrpSpPr/>
         <p:nvPr/>
       </p:nvGrpSpPr>
@@ -5660,7 +5883,7 @@
           <p:cNvPr id="4" name="Rectángulo 3">
             <a:extLst>
               <a:ext uri="{FF2B5EF4-FFF2-40B4-BE49-F238E27FC236}">
-                <a16:creationId xmlns:a16="http://schemas.microsoft.com/office/drawing/2014/main" id="{8EFDB355-27DA-0002-9E99-6510DD170631}"/>
+                <a16:creationId xmlns:a16="http://schemas.microsoft.com/office/drawing/2014/main" id="{312BBD1E-7748-B51E-82E2-31615B72B87F}"/>
               </a:ext>
             </a:extLst>
           </p:cNvPr>
@@ -5676,7 +5899,7 @@
             <a:avLst/>
           </a:prstGeom>
           <a:solidFill>
-            <a:schemeClr val="accent6">
+            <a:schemeClr val="accent2">
               <a:lumMod val="75000"/>
             </a:schemeClr>
           </a:solidFill>
@@ -5710,15 +5933,8 @@
           <a:p>
             <a:pPr algn="ctr"/>
             <a:r>
-              <a:rPr lang="es-MX" sz="6600" b="1" dirty="0"/>
-              <a:t>Introducción </a:t>
-            </a:r>
-          </a:p>
-          <a:p>
-            <a:pPr algn="ctr"/>
-            <a:r>
-              <a:rPr lang="es-MX" sz="6600" b="1" dirty="0" err="1"/>
-              <a:t>BigData</a:t>
+              <a:rPr lang="es-MX" sz="6600" b="1"/>
+              <a:t>Ejercicios III</a:t>
             </a:r>
             <a:endParaRPr lang="es-ES" sz="6600" b="1" dirty="0"/>
           </a:p>
@@ -5729,7 +5945,7 @@
           <p:cNvPr id="2" name="AutoShape 2" descr="icon_kmeans">
             <a:extLst>
               <a:ext uri="{FF2B5EF4-FFF2-40B4-BE49-F238E27FC236}">
-                <a16:creationId xmlns:a16="http://schemas.microsoft.com/office/drawing/2014/main" id="{584BB198-0B28-0510-93F2-28AD6D3F349A}"/>
+                <a16:creationId xmlns:a16="http://schemas.microsoft.com/office/drawing/2014/main" id="{72F00AFB-830F-FB68-DCA2-F2A1AB16E7AC}"/>
               </a:ext>
             </a:extLst>
           </p:cNvPr>
@@ -5771,10 +5987,10 @@
       </p:sp>
       <p:pic>
         <p:nvPicPr>
-          <p:cNvPr id="5" name="Imagen 4" descr="Icono&#10;&#10;Descripción generada automáticamente">
-            <a:extLst>
-              <a:ext uri="{FF2B5EF4-FFF2-40B4-BE49-F238E27FC236}">
-                <a16:creationId xmlns:a16="http://schemas.microsoft.com/office/drawing/2014/main" id="{89C60995-6B9C-BCF9-72E9-D808A815A776}"/>
+          <p:cNvPr id="6" name="Imagen 5" descr="Icono&#10;&#10;Descripción generada automáticamente">
+            <a:extLst>
+              <a:ext uri="{FF2B5EF4-FFF2-40B4-BE49-F238E27FC236}">
+                <a16:creationId xmlns:a16="http://schemas.microsoft.com/office/drawing/2014/main" id="{1131684D-FAA2-9E0F-2F6E-B3653918E94D}"/>
               </a:ext>
             </a:extLst>
           </p:cNvPr>
@@ -5797,7 +6013,7 @@
         </p:blipFill>
         <p:spPr>
           <a:xfrm>
-            <a:off x="8280000" y="3600000"/>
+            <a:off x="8280000" y="1080000"/>
             <a:ext cx="2160000" cy="2160000"/>
           </a:xfrm>
           <a:prstGeom prst="rect">
@@ -5807,10 +6023,10 @@
       </p:pic>
       <p:pic>
         <p:nvPicPr>
-          <p:cNvPr id="8" name="Imagen 7" descr="Imagen que contiene Código QR&#10;&#10;Descripción generada automáticamente">
-            <a:extLst>
-              <a:ext uri="{FF2B5EF4-FFF2-40B4-BE49-F238E27FC236}">
-                <a16:creationId xmlns:a16="http://schemas.microsoft.com/office/drawing/2014/main" id="{9CD20F0E-A2F2-E2FC-5C2D-CB1A9696AE7B}"/>
+          <p:cNvPr id="9" name="Gráfico 8">
+            <a:extLst>
+              <a:ext uri="{FF2B5EF4-FFF2-40B4-BE49-F238E27FC236}">
+                <a16:creationId xmlns:a16="http://schemas.microsoft.com/office/drawing/2014/main" id="{4E8803FC-EE61-02D6-4791-EE60E5222A71}"/>
               </a:ext>
             </a:extLst>
           </p:cNvPr>
@@ -5825,6 +6041,9 @@
               <a:ext uri="{28A0092B-C50C-407E-A947-70E740481C1C}">
                 <a14:useLocalDpi xmlns:a14="http://schemas.microsoft.com/office/drawing/2010/main" val="0"/>
               </a:ext>
+              <a:ext uri="{96DAC541-7B7A-43D3-8B79-37D633B846F1}">
+                <asvg:svgBlip xmlns:asvg="http://schemas.microsoft.com/office/drawing/2016/SVG/main" r:embed="rId4"/>
+              </a:ext>
             </a:extLst>
           </a:blip>
           <a:stretch>
@@ -5833,8 +6052,8 @@
         </p:blipFill>
         <p:spPr>
           <a:xfrm>
-            <a:off x="8280000" y="1080000"/>
-            <a:ext cx="2160000" cy="2160000"/>
+            <a:off x="8280000" y="3600000"/>
+            <a:ext cx="2520000" cy="2520000"/>
           </a:xfrm>
           <a:prstGeom prst="rect">
             <a:avLst/>
@@ -5844,7 +6063,7 @@
     </p:spTree>
     <p:extLst>
       <p:ext uri="{BB962C8B-B14F-4D97-AF65-F5344CB8AC3E}">
-        <p14:creationId xmlns:p14="http://schemas.microsoft.com/office/powerpoint/2010/main" val="620451960"/>
+        <p14:creationId xmlns:p14="http://schemas.microsoft.com/office/powerpoint/2010/main" val="3438576147"/>
       </p:ext>
     </p:extLst>
   </p:cSld>
